--- a/Report.pptx
+++ b/Report.pptx
@@ -10,6 +10,8 @@
     <p:sldId id="257" r:id="rId4"/>
     <p:sldId id="258" r:id="rId5"/>
     <p:sldId id="259" r:id="rId6"/>
+    <p:sldId id="261" r:id="rId7"/>
+    <p:sldId id="262" r:id="rId8"/>
   </p:sldIdLst>
   <p:sldSz cx="12192000" cy="6858000"/>
   <p:notesSz cx="6858000" cy="9144000"/>
@@ -5525,6 +5527,275 @@
 </p:sld>
 </file>
 
+<file path=ppt/slides/slide6.xml><?xml version="1.0" encoding="utf-8"?>
+<p:sld xmlns:a="http://schemas.openxmlformats.org/drawingml/2006/main" xmlns:r="http://schemas.openxmlformats.org/officeDocument/2006/relationships" xmlns:p="http://schemas.openxmlformats.org/presentationml/2006/main">
+  <p:cSld>
+    <p:spTree>
+      <p:nvGrpSpPr>
+        <p:cNvPr id="1" name=""/>
+        <p:cNvGrpSpPr/>
+        <p:nvPr/>
+      </p:nvGrpSpPr>
+      <p:grpSpPr>
+        <a:xfrm>
+          <a:off x="0" y="0"/>
+          <a:ext cx="0" cy="0"/>
+          <a:chOff x="0" y="0"/>
+          <a:chExt cx="0" cy="0"/>
+        </a:xfrm>
+      </p:grpSpPr>
+      <p:sp>
+        <p:nvSpPr>
+          <p:cNvPr id="6" name="TextBox 5">
+            <a:extLst>
+              <a:ext uri="{FF2B5EF4-FFF2-40B4-BE49-F238E27FC236}">
+                <a16:creationId xmlns:a16="http://schemas.microsoft.com/office/drawing/2014/main" id="{56EE3C80-375F-30FA-5157-F21327A23F73}"/>
+              </a:ext>
+            </a:extLst>
+          </p:cNvPr>
+          <p:cNvSpPr txBox="1"/>
+          <p:nvPr/>
+        </p:nvSpPr>
+        <p:spPr>
+          <a:xfrm>
+            <a:off x="304800" y="293077"/>
+            <a:ext cx="11359662" cy="3785652"/>
+          </a:xfrm>
+          <a:prstGeom prst="rect">
+            <a:avLst/>
+          </a:prstGeom>
+          <a:noFill/>
+        </p:spPr>
+        <p:txBody>
+          <a:bodyPr wrap="square">
+            <a:spAutoFit/>
+          </a:bodyPr>
+          <a:lstStyle/>
+          <a:p>
+            <a:r>
+              <a:rPr lang="en-IN" sz="1200" b="0" i="0" dirty="0">
+                <a:solidFill>
+                  <a:srgbClr val="212121"/>
+                </a:solidFill>
+                <a:effectLst/>
+                <a:latin typeface="Courier New" panose="02070309020205020404" pitchFamily="49" charset="0"/>
+              </a:rPr>
+              <a:t>Avg. Area Income Avg. Area House Age Avg. Area Number of Rooms \ 1303 68091 5 7 1051 75729 5 7 4904 70885 6 7 931 73386 4 7 4976 75046 5 7 ... ... ... ... 4171 56610 4 7 599 70596 6 6 1361 55621 3 6 1547 63044 5 5 4959 75078 7 8 Avg. Area Number of Bedrooms Area Population 1303 3 44557 1051 4 29996 4904 5 38627 931 4 38413 4976 5 34107 ... ... ... 4171 3 25494 599 3 51614 1361 2 63184 1547 4 32725 4959 4 56148 [3000 rows x 5 columns] Mean Squared Error (MSE): 59276979103.47522 R-squared (R2): 0.5335476994048952 OLS Regression Results ======================================================================================= Dep. Variable: Price R-squared (uncentered): 0.965 Model: OLS Adj. R-squared (uncentered): 0.965 Method: Least Squares F-statistic: 1.659e+04 Date: Mon, 29 Jan 2024 Prob (F-statistic): 0.00 Time: 07:56:18 Log-Likelihood: -41403. No. Observations: 3000 AIC: 8.282e+04 </a:t>
+            </a:r>
+            <a:r>
+              <a:rPr lang="en-IN" sz="1200" b="0" i="0" dirty="0" err="1">
+                <a:solidFill>
+                  <a:srgbClr val="212121"/>
+                </a:solidFill>
+                <a:effectLst/>
+                <a:latin typeface="Courier New" panose="02070309020205020404" pitchFamily="49" charset="0"/>
+              </a:rPr>
+              <a:t>Df</a:t>
+            </a:r>
+            <a:r>
+              <a:rPr lang="en-IN" sz="1200" b="0" i="0" dirty="0">
+                <a:solidFill>
+                  <a:srgbClr val="212121"/>
+                </a:solidFill>
+                <a:effectLst/>
+                <a:latin typeface="Courier New" panose="02070309020205020404" pitchFamily="49" charset="0"/>
+              </a:rPr>
+              <a:t> Residuals: 2995 BIC: 8.285e+04 </a:t>
+            </a:r>
+            <a:r>
+              <a:rPr lang="en-IN" sz="1200" b="0" i="0" dirty="0" err="1">
+                <a:solidFill>
+                  <a:srgbClr val="212121"/>
+                </a:solidFill>
+                <a:effectLst/>
+                <a:latin typeface="Courier New" panose="02070309020205020404" pitchFamily="49" charset="0"/>
+              </a:rPr>
+              <a:t>Df</a:t>
+            </a:r>
+            <a:r>
+              <a:rPr lang="en-IN" sz="1200" b="0" i="0" dirty="0">
+                <a:solidFill>
+                  <a:srgbClr val="212121"/>
+                </a:solidFill>
+                <a:effectLst/>
+                <a:latin typeface="Courier New" panose="02070309020205020404" pitchFamily="49" charset="0"/>
+              </a:rPr>
+              <a:t> Model: 5 Covariance Type: </a:t>
+            </a:r>
+            <a:r>
+              <a:rPr lang="en-IN" sz="1200" b="0" i="0" dirty="0" err="1">
+                <a:solidFill>
+                  <a:srgbClr val="212121"/>
+                </a:solidFill>
+                <a:effectLst/>
+                <a:latin typeface="Courier New" panose="02070309020205020404" pitchFamily="49" charset="0"/>
+              </a:rPr>
+              <a:t>nonrobust</a:t>
+            </a:r>
+            <a:r>
+              <a:rPr lang="en-IN" sz="1200" b="0" i="0" dirty="0">
+                <a:solidFill>
+                  <a:srgbClr val="212121"/>
+                </a:solidFill>
+                <a:effectLst/>
+                <a:latin typeface="Courier New" panose="02070309020205020404" pitchFamily="49" charset="0"/>
+              </a:rPr>
+              <a:t> ================================================================================================ </a:t>
+            </a:r>
+            <a:r>
+              <a:rPr lang="en-IN" sz="1200" b="0" i="0" dirty="0" err="1">
+                <a:solidFill>
+                  <a:srgbClr val="212121"/>
+                </a:solidFill>
+                <a:effectLst/>
+                <a:latin typeface="Courier New" panose="02070309020205020404" pitchFamily="49" charset="0"/>
+              </a:rPr>
+              <a:t>coef</a:t>
+            </a:r>
+            <a:r>
+              <a:rPr lang="en-IN" sz="1200" b="0" i="0" dirty="0">
+                <a:solidFill>
+                  <a:srgbClr val="212121"/>
+                </a:solidFill>
+                <a:effectLst/>
+                <a:latin typeface="Courier New" panose="02070309020205020404" pitchFamily="49" charset="0"/>
+              </a:rPr>
+              <a:t> std err t P&gt;|t| [0.025 0.975] ------------------------------------------------------------------------------------------------ Avg. Area Income 9.7145 0.333 29.161 0.000 9.061 10.368 Avg. Area House Age 5.355e+04 3767.501 14.213 0.000 4.62e+04 6.09e+04 Avg. Area Number of Rooms -3171.5994 4176.542 -0.759 0.448 -1.14e+04 5017.582 Avg. Area Number of Bedrooms 3237.3298 4075.709 0.794 0.427 -4754.142 1.12e+04 Area Population 8.2323 0.411 20.032 0.000 7.427 9.038 ============================================================================== Omnibus: 0.010 Durbin-Watson: 2.002 Prob(Omnibus): 0.995 Jarque-</a:t>
+            </a:r>
+            <a:r>
+              <a:rPr lang="en-IN" sz="1200" b="0" i="0" dirty="0" err="1">
+                <a:solidFill>
+                  <a:srgbClr val="212121"/>
+                </a:solidFill>
+                <a:effectLst/>
+                <a:latin typeface="Courier New" panose="02070309020205020404" pitchFamily="49" charset="0"/>
+              </a:rPr>
+              <a:t>Bera</a:t>
+            </a:r>
+            <a:r>
+              <a:rPr lang="en-IN" sz="1200" b="0" i="0" dirty="0">
+                <a:solidFill>
+                  <a:srgbClr val="212121"/>
+                </a:solidFill>
+                <a:effectLst/>
+                <a:latin typeface="Courier New" panose="02070309020205020404" pitchFamily="49" charset="0"/>
+              </a:rPr>
+              <a:t> (JB): 0.004 Skew: 0.003 Prob(JB): 0.998 Kurtosis: 3.002 Cond. No. 9.37e+04 ============================================================================== Notes: [1] R² is computed without </a:t>
+            </a:r>
+            <a:r>
+              <a:rPr lang="en-IN" sz="1200" b="0" i="0" dirty="0" err="1">
+                <a:solidFill>
+                  <a:srgbClr val="212121"/>
+                </a:solidFill>
+                <a:effectLst/>
+                <a:latin typeface="Courier New" panose="02070309020205020404" pitchFamily="49" charset="0"/>
+              </a:rPr>
+              <a:t>centering</a:t>
+            </a:r>
+            <a:r>
+              <a:rPr lang="en-IN" sz="1200" b="0" i="0" dirty="0">
+                <a:solidFill>
+                  <a:srgbClr val="212121"/>
+                </a:solidFill>
+                <a:effectLst/>
+                <a:latin typeface="Courier New" panose="02070309020205020404" pitchFamily="49" charset="0"/>
+              </a:rPr>
+              <a:t> (uncentered) since the model does not contain a constant. [2] Standard Errors assume that the covariance matrix of the errors is correctly specified. [3] The condition number is large, 9.37e+04. This might indicate that there are strong multicollinearity or other numerical problems.</a:t>
+            </a:r>
+            <a:endParaRPr lang="en-US" sz="1200" dirty="0"/>
+          </a:p>
+        </p:txBody>
+      </p:sp>
+    </p:spTree>
+    <p:extLst>
+      <p:ext uri="{BB962C8B-B14F-4D97-AF65-F5344CB8AC3E}">
+        <p14:creationId xmlns:p14="http://schemas.microsoft.com/office/powerpoint/2010/main" val="1842987336"/>
+      </p:ext>
+    </p:extLst>
+  </p:cSld>
+  <p:clrMapOvr>
+    <a:masterClrMapping/>
+  </p:clrMapOvr>
+</p:sld>
+</file>
+
+<file path=ppt/slides/slide7.xml><?xml version="1.0" encoding="utf-8"?>
+<p:sld xmlns:a="http://schemas.openxmlformats.org/drawingml/2006/main" xmlns:r="http://schemas.openxmlformats.org/officeDocument/2006/relationships" xmlns:p="http://schemas.openxmlformats.org/presentationml/2006/main">
+  <p:cSld>
+    <p:spTree>
+      <p:nvGrpSpPr>
+        <p:cNvPr id="1" name=""/>
+        <p:cNvGrpSpPr/>
+        <p:nvPr/>
+      </p:nvGrpSpPr>
+      <p:grpSpPr>
+        <a:xfrm>
+          <a:off x="0" y="0"/>
+          <a:ext cx="0" cy="0"/>
+          <a:chOff x="0" y="0"/>
+          <a:chExt cx="0" cy="0"/>
+        </a:xfrm>
+      </p:grpSpPr>
+      <p:pic>
+        <p:nvPicPr>
+          <p:cNvPr id="2050" name="Picture 2">
+            <a:extLst>
+              <a:ext uri="{FF2B5EF4-FFF2-40B4-BE49-F238E27FC236}">
+                <a16:creationId xmlns:a16="http://schemas.microsoft.com/office/drawing/2014/main" id="{9EFD821B-247A-897B-F83D-59A2C9B8F533}"/>
+              </a:ext>
+            </a:extLst>
+          </p:cNvPr>
+          <p:cNvPicPr>
+            <a:picLocks noChangeAspect="1" noChangeArrowheads="1"/>
+          </p:cNvPicPr>
+          <p:nvPr/>
+        </p:nvPicPr>
+        <p:blipFill>
+          <a:blip r:embed="rId2">
+            <a:extLst>
+              <a:ext uri="{28A0092B-C50C-407E-A947-70E740481C1C}">
+                <a14:useLocalDpi xmlns:a14="http://schemas.microsoft.com/office/drawing/2010/main" val="0"/>
+              </a:ext>
+            </a:extLst>
+          </a:blip>
+          <a:srcRect/>
+          <a:stretch>
+            <a:fillRect/>
+          </a:stretch>
+        </p:blipFill>
+        <p:spPr bwMode="auto">
+          <a:xfrm>
+            <a:off x="2138363" y="0"/>
+            <a:ext cx="7913687" cy="6858000"/>
+          </a:xfrm>
+          <a:prstGeom prst="rect">
+            <a:avLst/>
+          </a:prstGeom>
+          <a:noFill/>
+          <a:extLst>
+            <a:ext uri="{909E8E84-426E-40DD-AFC4-6F175D3DCCD1}">
+              <a14:hiddenFill xmlns:a14="http://schemas.microsoft.com/office/drawing/2010/main">
+                <a:solidFill>
+                  <a:srgbClr val="FFFFFF"/>
+                </a:solidFill>
+              </a14:hiddenFill>
+            </a:ext>
+          </a:extLst>
+        </p:spPr>
+      </p:pic>
+    </p:spTree>
+    <p:extLst>
+      <p:ext uri="{BB962C8B-B14F-4D97-AF65-F5344CB8AC3E}">
+        <p14:creationId xmlns:p14="http://schemas.microsoft.com/office/powerpoint/2010/main" val="703179638"/>
+      </p:ext>
+    </p:extLst>
+  </p:cSld>
+  <p:clrMapOvr>
+    <a:masterClrMapping/>
+  </p:clrMapOvr>
+</p:sld>
+</file>
+
 <file path=ppt/theme/theme1.xml><?xml version="1.0" encoding="utf-8"?>
 <a:theme xmlns:a="http://schemas.openxmlformats.org/drawingml/2006/main" name="Office Theme">
   <a:themeElements>

--- a/Report.pptx
+++ b/Report.pptx
@@ -6,12 +6,14 @@
   </p:sldMasterIdLst>
   <p:sldIdLst>
     <p:sldId id="256" r:id="rId2"/>
-    <p:sldId id="260" r:id="rId3"/>
-    <p:sldId id="257" r:id="rId4"/>
-    <p:sldId id="258" r:id="rId5"/>
-    <p:sldId id="259" r:id="rId6"/>
-    <p:sldId id="261" r:id="rId7"/>
-    <p:sldId id="262" r:id="rId8"/>
+    <p:sldId id="269" r:id="rId3"/>
+    <p:sldId id="268" r:id="rId4"/>
+    <p:sldId id="263" r:id="rId5"/>
+    <p:sldId id="262" r:id="rId6"/>
+    <p:sldId id="264" r:id="rId7"/>
+    <p:sldId id="265" r:id="rId8"/>
+    <p:sldId id="266" r:id="rId9"/>
+    <p:sldId id="267" r:id="rId10"/>
   </p:sldIdLst>
   <p:sldSz cx="12192000" cy="6858000"/>
   <p:notesSz cx="6858000" cy="9144000"/>
@@ -169,7 +171,7 @@
           <c:order val="0"/>
           <c:tx>
             <c:strRef>
-              <c:f>Sheet1!$B$1</c:f>
+              <c:f>'Sheet1 (2)'!$B$1</c:f>
               <c:strCache>
                 <c:ptCount val="1"/>
                 <c:pt idx="0">
@@ -190,7 +192,7 @@
           <c:invertIfNegative val="0"/>
           <c:cat>
             <c:strRef>
-              <c:f>Sheet1!$A$2:$A$4</c:f>
+              <c:f>'Sheet1 (2)'!$A$2:$A$4</c:f>
               <c:strCache>
                 <c:ptCount val="3"/>
                 <c:pt idx="0">
@@ -207,25 +209,25 @@
           </c:cat>
           <c:val>
             <c:numRef>
-              <c:f>Sheet1!$B$2:$B$4</c:f>
+              <c:f>'Sheet1 (2)'!$B$2:$B$4</c:f>
               <c:numCache>
                 <c:formatCode>General</c:formatCode>
                 <c:ptCount val="3"/>
                 <c:pt idx="0">
-                  <c:v>0.51900000000000002</c:v>
+                  <c:v>0.95699999999999996</c:v>
                 </c:pt>
                 <c:pt idx="1">
-                  <c:v>0.6</c:v>
+                  <c:v>0.96</c:v>
                 </c:pt>
                 <c:pt idx="2">
-                  <c:v>0.89300000000000002</c:v>
+                  <c:v>0.96499999999999997</c:v>
                 </c:pt>
               </c:numCache>
             </c:numRef>
           </c:val>
           <c:extLst>
             <c:ext xmlns:c16="http://schemas.microsoft.com/office/drawing/2014/chart" uri="{C3380CC4-5D6E-409C-BE32-E72D297353CC}">
-              <c16:uniqueId val="{00000000-CB72-0345-9133-A49FB6E5724D}"/>
+              <c16:uniqueId val="{00000000-020D-DF46-84F2-D5D6E3E39BA7}"/>
             </c:ext>
           </c:extLst>
         </c:ser>
@@ -234,7 +236,7 @@
           <c:order val="1"/>
           <c:tx>
             <c:strRef>
-              <c:f>Sheet1!$C$1</c:f>
+              <c:f>'Sheet1 (2)'!$C$1</c:f>
               <c:strCache>
                 <c:ptCount val="1"/>
                 <c:pt idx="0">
@@ -255,7 +257,7 @@
           <c:invertIfNegative val="0"/>
           <c:cat>
             <c:strRef>
-              <c:f>Sheet1!$A$2:$A$4</c:f>
+              <c:f>'Sheet1 (2)'!$A$2:$A$4</c:f>
               <c:strCache>
                 <c:ptCount val="3"/>
                 <c:pt idx="0">
@@ -272,25 +274,25 @@
           </c:cat>
           <c:val>
             <c:numRef>
-              <c:f>Sheet1!$C$2:$C$4</c:f>
+              <c:f>'Sheet1 (2)'!$C$2:$C$4</c:f>
               <c:numCache>
                 <c:formatCode>General</c:formatCode>
                 <c:ptCount val="3"/>
                 <c:pt idx="0">
-                  <c:v>0.51900000000000002</c:v>
+                  <c:v>0.95699999999999996</c:v>
                 </c:pt>
                 <c:pt idx="1">
-                  <c:v>0.6</c:v>
+                  <c:v>0.96</c:v>
                 </c:pt>
                 <c:pt idx="2">
-                  <c:v>0.89300000000000002</c:v>
+                  <c:v>0.96499999999999997</c:v>
                 </c:pt>
               </c:numCache>
             </c:numRef>
           </c:val>
           <c:extLst>
             <c:ext xmlns:c16="http://schemas.microsoft.com/office/drawing/2014/chart" uri="{C3380CC4-5D6E-409C-BE32-E72D297353CC}">
-              <c16:uniqueId val="{00000001-CB72-0345-9133-A49FB6E5724D}"/>
+              <c16:uniqueId val="{00000001-020D-DF46-84F2-D5D6E3E39BA7}"/>
             </c:ext>
           </c:extLst>
         </c:ser>
@@ -4286,7 +4288,10 @@
           <a:bodyPr/>
           <a:lstStyle/>
           <a:p>
-            <a:endParaRPr lang="en-US"/>
+            <a:r>
+              <a:rPr lang="en-US" dirty="0"/>
+              <a:t>Report</a:t>
+            </a:r>
           </a:p>
         </p:txBody>
       </p:sp>
@@ -4331,14 +4336,6 @@
 <file path=ppt/slides/slide2.xml><?xml version="1.0" encoding="utf-8"?>
 <p:sld xmlns:a="http://schemas.openxmlformats.org/drawingml/2006/main" xmlns:r="http://schemas.openxmlformats.org/officeDocument/2006/relationships" xmlns:p="http://schemas.openxmlformats.org/presentationml/2006/main">
   <p:cSld>
-    <p:bg>
-      <p:bgPr>
-        <a:solidFill>
-          <a:schemeClr val="bg1"/>
-        </a:solidFill>
-        <a:effectLst/>
-      </p:bgPr>
-    </p:bg>
     <p:spTree>
       <p:nvGrpSpPr>
         <p:cNvPr id="1" name=""/>
@@ -4355,144 +4352,66 @@
       </p:grpSpPr>
       <p:sp>
         <p:nvSpPr>
-          <p:cNvPr id="10" name="Rectangle 9">
-            <a:extLst>
-              <a:ext uri="{FF2B5EF4-FFF2-40B4-BE49-F238E27FC236}">
-                <a16:creationId xmlns:a16="http://schemas.microsoft.com/office/drawing/2014/main" id="{A4AC5506-6312-4701-8D3C-40187889A947}"/>
-              </a:ext>
-              <a:ext uri="{C183D7F6-B498-43B3-948B-1728B52AA6E4}">
-                <adec:decorative xmlns:adec="http://schemas.microsoft.com/office/drawing/2017/decorative" val="1"/>
-              </a:ext>
-            </a:extLst>
-          </p:cNvPr>
-          <p:cNvSpPr>
-            <a:spLocks noGrp="1" noRot="1" noChangeAspect="1" noMove="1" noResize="1" noEditPoints="1" noAdjustHandles="1" noChangeArrowheads="1" noChangeShapeType="1" noTextEdit="1"/>
-          </p:cNvSpPr>
-          <p:nvPr>
-            <p:extLst>
-              <p:ext uri="{386F3935-93C4-4BCD-93E2-E3B085C9AB24}">
-                <p16:designElem xmlns:p16="http://schemas.microsoft.com/office/powerpoint/2015/main" val="1"/>
-              </p:ext>
-            </p:extLst>
-          </p:nvPr>
-        </p:nvSpPr>
+          <p:cNvPr id="2" name="Title 1">
+            <a:extLst>
+              <a:ext uri="{FF2B5EF4-FFF2-40B4-BE49-F238E27FC236}">
+                <a16:creationId xmlns:a16="http://schemas.microsoft.com/office/drawing/2014/main" id="{19093699-9368-ECB8-3890-C87B03D3997B}"/>
+              </a:ext>
+            </a:extLst>
+          </p:cNvPr>
+          <p:cNvSpPr>
+            <a:spLocks noGrp="1"/>
+          </p:cNvSpPr>
+          <p:nvPr>
+            <p:ph type="title"/>
+          </p:nvPr>
+        </p:nvSpPr>
+        <p:spPr/>
+        <p:txBody>
+          <a:bodyPr/>
+          <a:lstStyle/>
+          <a:p>
+            <a:r>
+              <a:rPr lang="en-US" dirty="0"/>
+              <a:t>Architecture Flow</a:t>
+            </a:r>
+          </a:p>
+        </p:txBody>
+      </p:sp>
+      <p:pic>
+        <p:nvPicPr>
+          <p:cNvPr id="9" name="Picture 8" descr="A diagram of a software model&#10;&#10;Description automatically generated">
+            <a:extLst>
+              <a:ext uri="{FF2B5EF4-FFF2-40B4-BE49-F238E27FC236}">
+                <a16:creationId xmlns:a16="http://schemas.microsoft.com/office/drawing/2014/main" id="{4C78035B-9C76-94F3-871E-9FE459482FFF}"/>
+              </a:ext>
+            </a:extLst>
+          </p:cNvPr>
+          <p:cNvPicPr>
+            <a:picLocks noChangeAspect="1"/>
+          </p:cNvPicPr>
+          <p:nvPr/>
+        </p:nvPicPr>
+        <p:blipFill>
+          <a:blip r:embed="rId2"/>
+          <a:stretch>
+            <a:fillRect/>
+          </a:stretch>
+        </p:blipFill>
         <p:spPr>
           <a:xfrm>
-            <a:off x="0" y="651752"/>
-            <a:ext cx="12192000" cy="736551"/>
+            <a:off x="1431235" y="1226194"/>
+            <a:ext cx="8993549" cy="4246954"/>
           </a:xfrm>
           <a:prstGeom prst="rect">
             <a:avLst/>
           </a:prstGeom>
-          <a:solidFill>
-            <a:schemeClr val="tx1"/>
-          </a:solidFill>
-          <a:ln>
-            <a:noFill/>
-          </a:ln>
         </p:spPr>
-        <p:style>
-          <a:lnRef idx="2">
-            <a:schemeClr val="accent1">
-              <a:shade val="50000"/>
-            </a:schemeClr>
-          </a:lnRef>
-          <a:fillRef idx="1">
-            <a:schemeClr val="accent1"/>
-          </a:fillRef>
-          <a:effectRef idx="0">
-            <a:schemeClr val="accent1"/>
-          </a:effectRef>
-          <a:fontRef idx="minor">
-            <a:schemeClr val="lt1"/>
-          </a:fontRef>
-        </p:style>
-        <p:txBody>
-          <a:bodyPr rtlCol="0" anchor="ctr"/>
-          <a:lstStyle/>
-          <a:p>
-            <a:pPr algn="ctr"/>
-            <a:endParaRPr lang="en-US"/>
-          </a:p>
-        </p:txBody>
-      </p:sp>
-      <p:sp>
-        <p:nvSpPr>
-          <p:cNvPr id="2" name="Title 1">
-            <a:extLst>
-              <a:ext uri="{FF2B5EF4-FFF2-40B4-BE49-F238E27FC236}">
-                <a16:creationId xmlns:a16="http://schemas.microsoft.com/office/drawing/2014/main" id="{8C4B63A6-81C6-80EF-EE72-0490EA3E2EEC}"/>
-              </a:ext>
-            </a:extLst>
-          </p:cNvPr>
-          <p:cNvSpPr>
-            <a:spLocks noGrp="1"/>
-          </p:cNvSpPr>
-          <p:nvPr>
-            <p:ph type="title"/>
-          </p:nvPr>
-        </p:nvSpPr>
-        <p:spPr>
-          <a:xfrm>
-            <a:off x="556532" y="643467"/>
-            <a:ext cx="11210925" cy="744836"/>
-          </a:xfrm>
-        </p:spPr>
-        <p:txBody>
-          <a:bodyPr vert="horz" lIns="91440" tIns="45720" rIns="91440" bIns="45720" rtlCol="0" anchor="ctr">
-            <a:normAutofit/>
-          </a:bodyPr>
-          <a:lstStyle/>
-          <a:p>
-            <a:pPr algn="ctr"/>
-            <a:r>
-              <a:rPr lang="en-US" sz="3200" kern="1200">
-                <a:solidFill>
-                  <a:schemeClr val="bg1"/>
-                </a:solidFill>
-                <a:latin typeface="+mj-lt"/>
-                <a:ea typeface="+mj-ea"/>
-                <a:cs typeface="+mj-cs"/>
-              </a:rPr>
-              <a:t>Comparision</a:t>
-            </a:r>
-          </a:p>
-        </p:txBody>
-      </p:sp>
-      <p:graphicFrame>
-        <p:nvGraphicFramePr>
-          <p:cNvPr id="5" name="Chart 4">
-            <a:extLst>
-              <a:ext uri="{FF2B5EF4-FFF2-40B4-BE49-F238E27FC236}">
-                <a16:creationId xmlns:a16="http://schemas.microsoft.com/office/drawing/2014/main" id="{61C3A5A6-59A0-91D2-C84D-1F507A2A21CB}"/>
-              </a:ext>
-            </a:extLst>
-          </p:cNvPr>
-          <p:cNvGraphicFramePr>
-            <a:graphicFrameLocks/>
-          </p:cNvGraphicFramePr>
-          <p:nvPr>
-            <p:extLst>
-              <p:ext uri="{D42A27DB-BD31-4B8C-83A1-F6EECF244321}">
-                <p14:modId xmlns:p14="http://schemas.microsoft.com/office/powerpoint/2010/main" val="1218981738"/>
-              </p:ext>
-            </p:extLst>
-          </p:nvPr>
-        </p:nvGraphicFramePr>
-        <p:xfrm>
-          <a:off x="643467" y="1675227"/>
-          <a:ext cx="10905066" cy="4394199"/>
-        </p:xfrm>
-        <a:graphic>
-          <a:graphicData uri="http://schemas.openxmlformats.org/drawingml/2006/chart">
-            <c:chart xmlns:c="http://schemas.openxmlformats.org/drawingml/2006/chart" xmlns:r="http://schemas.openxmlformats.org/officeDocument/2006/relationships" r:id="rId2"/>
-          </a:graphicData>
-        </a:graphic>
-      </p:graphicFrame>
+      </p:pic>
     </p:spTree>
     <p:extLst>
       <p:ext uri="{BB962C8B-B14F-4D97-AF65-F5344CB8AC3E}">
-        <p14:creationId xmlns:p14="http://schemas.microsoft.com/office/powerpoint/2010/main" val="3694626332"/>
+        <p14:creationId xmlns:p14="http://schemas.microsoft.com/office/powerpoint/2010/main" val="2181415418"/>
       </p:ext>
     </p:extLst>
   </p:cSld>
@@ -4524,7 +4443,7 @@
           <p:cNvPr id="2" name="Title 1">
             <a:extLst>
               <a:ext uri="{FF2B5EF4-FFF2-40B4-BE49-F238E27FC236}">
-                <a16:creationId xmlns:a16="http://schemas.microsoft.com/office/drawing/2014/main" id="{664C4F1C-2984-4B7B-BE7E-6AD69BA64DFD}"/>
+                <a16:creationId xmlns:a16="http://schemas.microsoft.com/office/drawing/2014/main" id="{38532EA2-4DF0-5335-1FCE-F2B9074B68DF}"/>
               </a:ext>
             </a:extLst>
           </p:cNvPr>
@@ -4537,413 +4456,46 @@
         </p:nvSpPr>
         <p:spPr/>
         <p:txBody>
-          <a:bodyPr>
-            <a:noAutofit/>
-          </a:bodyPr>
-          <a:lstStyle/>
-          <a:p>
-            <a:r>
-              <a:rPr lang="en-IN" sz="1800" b="0" dirty="0" err="1">
-                <a:solidFill>
-                  <a:srgbClr val="000000"/>
-                </a:solidFill>
-                <a:effectLst/>
-                <a:latin typeface="Courier New" panose="02070309020205020404" pitchFamily="49" charset="0"/>
-              </a:rPr>
-              <a:t>independent_vars</a:t>
-            </a:r>
-            <a:r>
-              <a:rPr lang="en-IN" sz="1800" b="0" dirty="0">
-                <a:solidFill>
-                  <a:srgbClr val="000000"/>
-                </a:solidFill>
-                <a:effectLst/>
-                <a:latin typeface="Courier New" panose="02070309020205020404" pitchFamily="49" charset="0"/>
-              </a:rPr>
-              <a:t> = data[[</a:t>
-            </a:r>
-            <a:r>
-              <a:rPr lang="en-IN" sz="1800" b="0" dirty="0">
-                <a:solidFill>
-                  <a:srgbClr val="A31515"/>
-                </a:solidFill>
-                <a:effectLst/>
-                <a:latin typeface="Courier New" panose="02070309020205020404" pitchFamily="49" charset="0"/>
-              </a:rPr>
-              <a:t>'Avg. Area Income'</a:t>
-            </a:r>
-            <a:r>
-              <a:rPr lang="en-IN" sz="1800" b="0" dirty="0">
-                <a:solidFill>
-                  <a:srgbClr val="000000"/>
-                </a:solidFill>
-                <a:effectLst/>
-                <a:latin typeface="Courier New" panose="02070309020205020404" pitchFamily="49" charset="0"/>
-              </a:rPr>
-              <a:t>,</a:t>
-            </a:r>
-            <a:r>
-              <a:rPr lang="en-IN" sz="1800" b="0" dirty="0">
-                <a:solidFill>
-                  <a:srgbClr val="A31515"/>
-                </a:solidFill>
-                <a:effectLst/>
-                <a:latin typeface="Courier New" panose="02070309020205020404" pitchFamily="49" charset="0"/>
-              </a:rPr>
-              <a:t>'</a:t>
-            </a:r>
-            <a:r>
-              <a:rPr lang="en-IN" sz="1800" b="0" dirty="0" err="1">
-                <a:solidFill>
-                  <a:srgbClr val="A31515"/>
-                </a:solidFill>
-                <a:effectLst/>
-                <a:latin typeface="Courier New" panose="02070309020205020404" pitchFamily="49" charset="0"/>
-              </a:rPr>
-              <a:t>Avg</a:t>
-            </a:r>
-            <a:r>
-              <a:rPr lang="en-IN" sz="1800" b="0" dirty="0">
-                <a:solidFill>
-                  <a:srgbClr val="A31515"/>
-                </a:solidFill>
-                <a:effectLst/>
-                <a:latin typeface="Courier New" panose="02070309020205020404" pitchFamily="49" charset="0"/>
-              </a:rPr>
-              <a:t>. Area House Age'</a:t>
-            </a:r>
-            <a:r>
-              <a:rPr lang="en-IN" sz="1800" b="0" dirty="0">
-                <a:solidFill>
-                  <a:srgbClr val="000000"/>
-                </a:solidFill>
-                <a:effectLst/>
-                <a:latin typeface="Courier New" panose="02070309020205020404" pitchFamily="49" charset="0"/>
-              </a:rPr>
-              <a:t>,</a:t>
-            </a:r>
-            <a:r>
-              <a:rPr lang="en-IN" sz="1800" b="0" dirty="0">
-                <a:solidFill>
-                  <a:srgbClr val="A31515"/>
-                </a:solidFill>
-                <a:effectLst/>
-                <a:latin typeface="Courier New" panose="02070309020205020404" pitchFamily="49" charset="0"/>
-              </a:rPr>
-              <a:t>'</a:t>
-            </a:r>
-            <a:r>
-              <a:rPr lang="en-IN" sz="1800" b="0" dirty="0" err="1">
-                <a:solidFill>
-                  <a:srgbClr val="A31515"/>
-                </a:solidFill>
-                <a:effectLst/>
-                <a:latin typeface="Courier New" panose="02070309020205020404" pitchFamily="49" charset="0"/>
-              </a:rPr>
-              <a:t>Avg</a:t>
-            </a:r>
-            <a:r>
-              <a:rPr lang="en-IN" sz="1800" b="0" dirty="0">
-                <a:solidFill>
-                  <a:srgbClr val="A31515"/>
-                </a:solidFill>
-                <a:effectLst/>
-                <a:latin typeface="Courier New" panose="02070309020205020404" pitchFamily="49" charset="0"/>
-              </a:rPr>
-              <a:t>. Area Number of Rooms'</a:t>
-            </a:r>
-            <a:r>
-              <a:rPr lang="en-IN" sz="1800" b="0" dirty="0">
-                <a:solidFill>
-                  <a:srgbClr val="000000"/>
-                </a:solidFill>
-                <a:effectLst/>
-                <a:latin typeface="Courier New" panose="02070309020205020404" pitchFamily="49" charset="0"/>
-              </a:rPr>
-              <a:t>,</a:t>
-            </a:r>
-            <a:r>
-              <a:rPr lang="en-IN" sz="1800" b="0" dirty="0">
-                <a:solidFill>
-                  <a:srgbClr val="A31515"/>
-                </a:solidFill>
-                <a:effectLst/>
-                <a:latin typeface="Courier New" panose="02070309020205020404" pitchFamily="49" charset="0"/>
-              </a:rPr>
-              <a:t>'</a:t>
-            </a:r>
-            <a:r>
-              <a:rPr lang="en-IN" sz="1800" b="0" dirty="0" err="1">
-                <a:solidFill>
-                  <a:srgbClr val="A31515"/>
-                </a:solidFill>
-                <a:effectLst/>
-                <a:latin typeface="Courier New" panose="02070309020205020404" pitchFamily="49" charset="0"/>
-              </a:rPr>
-              <a:t>Avg</a:t>
-            </a:r>
-            <a:r>
-              <a:rPr lang="en-IN" sz="1800" b="0" dirty="0">
-                <a:solidFill>
-                  <a:srgbClr val="A31515"/>
-                </a:solidFill>
-                <a:effectLst/>
-                <a:latin typeface="Courier New" panose="02070309020205020404" pitchFamily="49" charset="0"/>
-              </a:rPr>
-              <a:t>. Area Number of </a:t>
-            </a:r>
-            <a:r>
-              <a:rPr lang="en-IN" sz="1800" b="0" dirty="0" err="1">
-                <a:solidFill>
-                  <a:srgbClr val="A31515"/>
-                </a:solidFill>
-                <a:effectLst/>
-                <a:latin typeface="Courier New" panose="02070309020205020404" pitchFamily="49" charset="0"/>
-              </a:rPr>
-              <a:t>Bedrooms'</a:t>
-            </a:r>
-            <a:r>
-              <a:rPr lang="en-IN" sz="1800" b="0" dirty="0" err="1">
-                <a:solidFill>
-                  <a:srgbClr val="000000"/>
-                </a:solidFill>
-                <a:effectLst/>
-                <a:latin typeface="Courier New" panose="02070309020205020404" pitchFamily="49" charset="0"/>
-              </a:rPr>
-              <a:t>,</a:t>
-            </a:r>
-            <a:r>
-              <a:rPr lang="en-IN" sz="1800" b="0" dirty="0" err="1">
-                <a:solidFill>
-                  <a:srgbClr val="A31515"/>
-                </a:solidFill>
-                <a:effectLst/>
-                <a:latin typeface="Courier New" panose="02070309020205020404" pitchFamily="49" charset="0"/>
-              </a:rPr>
-              <a:t>'Area</a:t>
-            </a:r>
-            <a:r>
-              <a:rPr lang="en-IN" sz="1800" b="0" dirty="0">
-                <a:solidFill>
-                  <a:srgbClr val="A31515"/>
-                </a:solidFill>
-                <a:effectLst/>
-                <a:latin typeface="Courier New" panose="02070309020205020404" pitchFamily="49" charset="0"/>
-              </a:rPr>
-              <a:t> Population'</a:t>
-            </a:r>
-            <a:r>
-              <a:rPr lang="en-IN" sz="1800" b="0" dirty="0">
-                <a:solidFill>
-                  <a:srgbClr val="000000"/>
-                </a:solidFill>
-                <a:effectLst/>
-                <a:latin typeface="Courier New" panose="02070309020205020404" pitchFamily="49" charset="0"/>
-              </a:rPr>
-              <a:t>]] </a:t>
-            </a:r>
-            <a:r>
-              <a:rPr lang="en-IN" sz="1800" b="0" dirty="0">
-                <a:solidFill>
-                  <a:srgbClr val="008000"/>
-                </a:solidFill>
-                <a:effectLst/>
-                <a:latin typeface="Courier New" panose="02070309020205020404" pitchFamily="49" charset="0"/>
-              </a:rPr>
-              <a:t>#the Adj. R-squared:0.893</a:t>
-            </a:r>
-            <a:br>
-              <a:rPr lang="en-IN" sz="1800" b="0" dirty="0">
-                <a:solidFill>
-                  <a:srgbClr val="000000"/>
-                </a:solidFill>
-                <a:effectLst/>
-                <a:latin typeface="Courier New" panose="02070309020205020404" pitchFamily="49" charset="0"/>
-              </a:rPr>
-            </a:br>
-            <a:br>
-              <a:rPr lang="en-IN" sz="1800" b="0" dirty="0">
-                <a:solidFill>
-                  <a:srgbClr val="000000"/>
-                </a:solidFill>
-                <a:effectLst/>
-                <a:latin typeface="Courier New" panose="02070309020205020404" pitchFamily="49" charset="0"/>
-              </a:rPr>
-            </a:br>
-            <a:br>
-              <a:rPr lang="en-IN" sz="1800" b="0" dirty="0">
-                <a:solidFill>
-                  <a:srgbClr val="000000"/>
-                </a:solidFill>
-                <a:effectLst/>
-                <a:latin typeface="Courier New" panose="02070309020205020404" pitchFamily="49" charset="0"/>
-              </a:rPr>
-            </a:br>
-            <a:endParaRPr lang="en-US" sz="1800" dirty="0"/>
-          </a:p>
-        </p:txBody>
-      </p:sp>
-      <p:sp>
-        <p:nvSpPr>
-          <p:cNvPr id="3" name="Content Placeholder 2">
-            <a:extLst>
-              <a:ext uri="{FF2B5EF4-FFF2-40B4-BE49-F238E27FC236}">
-                <a16:creationId xmlns:a16="http://schemas.microsoft.com/office/drawing/2014/main" id="{DE26691E-EC97-459F-9C7B-145FF1545D87}"/>
-              </a:ext>
-            </a:extLst>
-          </p:cNvPr>
-          <p:cNvSpPr>
-            <a:spLocks noGrp="1"/>
-          </p:cNvSpPr>
+          <a:bodyPr/>
+          <a:lstStyle/>
+          <a:p>
+            <a:r>
+              <a:rPr lang="en-US" dirty="0"/>
+              <a:t>Comparison </a:t>
+            </a:r>
+          </a:p>
+        </p:txBody>
+      </p:sp>
+      <p:graphicFrame>
+        <p:nvGraphicFramePr>
+          <p:cNvPr id="7" name="Content Placeholder 6">
+            <a:extLst>
+              <a:ext uri="{FF2B5EF4-FFF2-40B4-BE49-F238E27FC236}">
+                <a16:creationId xmlns:a16="http://schemas.microsoft.com/office/drawing/2014/main" id="{B161CCEC-2ABC-4741-BBAE-984A5913F102}"/>
+              </a:ext>
+            </a:extLst>
+          </p:cNvPr>
+          <p:cNvGraphicFramePr>
+            <a:graphicFrameLocks noGrp="1"/>
+          </p:cNvGraphicFramePr>
           <p:nvPr>
             <p:ph idx="1"/>
           </p:nvPr>
-        </p:nvSpPr>
-        <p:spPr/>
-        <p:txBody>
-          <a:bodyPr>
-            <a:normAutofit fontScale="55000" lnSpcReduction="20000"/>
-          </a:bodyPr>
-          <a:lstStyle/>
-          <a:p>
-            <a:r>
-              <a:rPr lang="en-IN" b="0" i="0" dirty="0">
-                <a:solidFill>
-                  <a:srgbClr val="212121"/>
-                </a:solidFill>
-                <a:effectLst/>
-                <a:latin typeface="Courier New" panose="02070309020205020404" pitchFamily="49" charset="0"/>
-              </a:rPr>
-              <a:t>OLS Regression Results ============================================================================== Dep. Variable: Price R-squared: 0.893 Model: OLS Adj. R-squared: 0.893 Method: Least Squares F-statistic: 8321. Date: Mon, 29 Jan 2024 Prob (F-statistic): 0.00 Time: 07:31:00 Log-Likelihood: -65384. No. Observations: 5000 AIC: 1.308e+05 </a:t>
-            </a:r>
-            <a:r>
-              <a:rPr lang="en-IN" b="0" i="0" dirty="0" err="1">
-                <a:solidFill>
-                  <a:srgbClr val="212121"/>
-                </a:solidFill>
-                <a:effectLst/>
-                <a:latin typeface="Courier New" panose="02070309020205020404" pitchFamily="49" charset="0"/>
-              </a:rPr>
-              <a:t>Df</a:t>
-            </a:r>
-            <a:r>
-              <a:rPr lang="en-IN" b="0" i="0" dirty="0">
-                <a:solidFill>
-                  <a:srgbClr val="212121"/>
-                </a:solidFill>
-                <a:effectLst/>
-                <a:latin typeface="Courier New" panose="02070309020205020404" pitchFamily="49" charset="0"/>
-              </a:rPr>
-              <a:t> Residuals: 4994 BIC: 1.308e+05 </a:t>
-            </a:r>
-            <a:r>
-              <a:rPr lang="en-IN" b="0" i="0" dirty="0" err="1">
-                <a:solidFill>
-                  <a:srgbClr val="212121"/>
-                </a:solidFill>
-                <a:effectLst/>
-                <a:latin typeface="Courier New" panose="02070309020205020404" pitchFamily="49" charset="0"/>
-              </a:rPr>
-              <a:t>Df</a:t>
-            </a:r>
-            <a:r>
-              <a:rPr lang="en-IN" b="0" i="0" dirty="0">
-                <a:solidFill>
-                  <a:srgbClr val="212121"/>
-                </a:solidFill>
-                <a:effectLst/>
-                <a:latin typeface="Courier New" panose="02070309020205020404" pitchFamily="49" charset="0"/>
-              </a:rPr>
-              <a:t> Model: 5 Covariance Type: </a:t>
-            </a:r>
-            <a:r>
-              <a:rPr lang="en-IN" b="0" i="0" dirty="0" err="1">
-                <a:solidFill>
-                  <a:srgbClr val="212121"/>
-                </a:solidFill>
-                <a:effectLst/>
-                <a:latin typeface="Courier New" panose="02070309020205020404" pitchFamily="49" charset="0"/>
-              </a:rPr>
-              <a:t>nonrobust</a:t>
-            </a:r>
-            <a:r>
-              <a:rPr lang="en-IN" b="0" i="0" dirty="0">
-                <a:solidFill>
-                  <a:srgbClr val="212121"/>
-                </a:solidFill>
-                <a:effectLst/>
-                <a:latin typeface="Courier New" panose="02070309020205020404" pitchFamily="49" charset="0"/>
-              </a:rPr>
-              <a:t> ================================================================================================ </a:t>
-            </a:r>
-            <a:r>
-              <a:rPr lang="en-IN" b="0" i="0" dirty="0" err="1">
-                <a:solidFill>
-                  <a:srgbClr val="212121"/>
-                </a:solidFill>
-                <a:effectLst/>
-                <a:latin typeface="Courier New" panose="02070309020205020404" pitchFamily="49" charset="0"/>
-              </a:rPr>
-              <a:t>coef</a:t>
-            </a:r>
-            <a:r>
-              <a:rPr lang="en-IN" b="0" i="0" dirty="0">
-                <a:solidFill>
-                  <a:srgbClr val="212121"/>
-                </a:solidFill>
-                <a:effectLst/>
-                <a:latin typeface="Courier New" panose="02070309020205020404" pitchFamily="49" charset="0"/>
-              </a:rPr>
-              <a:t> std err t P&gt;|t| [0.025 0.975] ------------------------------------------------------------------------------------------------ </a:t>
-            </a:r>
-            <a:r>
-              <a:rPr lang="en-IN" b="0" i="0" dirty="0" err="1">
-                <a:solidFill>
-                  <a:srgbClr val="212121"/>
-                </a:solidFill>
-                <a:effectLst/>
-                <a:latin typeface="Courier New" panose="02070309020205020404" pitchFamily="49" charset="0"/>
-              </a:rPr>
-              <a:t>const</a:t>
-            </a:r>
-            <a:r>
-              <a:rPr lang="en-IN" b="0" i="0" dirty="0">
-                <a:solidFill>
-                  <a:srgbClr val="212121"/>
-                </a:solidFill>
-                <a:effectLst/>
-                <a:latin typeface="Courier New" panose="02070309020205020404" pitchFamily="49" charset="0"/>
-              </a:rPr>
-              <a:t> -2.352e+06 1.82e+04 -128.906 0.000 -2.39e+06 -2.32e+06 Avg. Area Income 21.4775 0.154 139.866 0.000 21.176 21.779 Avg. Area House Age 1.52e+05 1582.130 96.094 0.000 1.49e+05 1.55e+05 Avg. Area Number of Rooms 1.12e+05 1787.457 62.681 0.000 1.09e+05 1.16e+05 Avg. Area Number of Bedrooms 667.2060 1529.451 0.436 0.663 -2331.189 3665.601 Area Population 15.1546 0.165 91.911 0.000 14.831 15.478 ============================================================================== Omnibus: 4.858 Durbin-Watson: 2.005 Prob(Omnibus): 0.088 Jarque-</a:t>
-            </a:r>
-            <a:r>
-              <a:rPr lang="en-IN" b="0" i="0" dirty="0" err="1">
-                <a:solidFill>
-                  <a:srgbClr val="212121"/>
-                </a:solidFill>
-                <a:effectLst/>
-                <a:latin typeface="Courier New" panose="02070309020205020404" pitchFamily="49" charset="0"/>
-              </a:rPr>
-              <a:t>Bera</a:t>
-            </a:r>
-            <a:r>
-              <a:rPr lang="en-IN" b="0" i="0" dirty="0">
-                <a:solidFill>
-                  <a:srgbClr val="212121"/>
-                </a:solidFill>
-                <a:effectLst/>
-                <a:latin typeface="Courier New" panose="02070309020205020404" pitchFamily="49" charset="0"/>
-              </a:rPr>
-              <a:t> (JB): 4.523 Skew: -0.034 Prob(JB): 0.104 Kurtosis: 2.869 Cond. No. 8.75e+05 ============================================================================== Notes: [1] Standard Errors assume that the covariance matrix of the errors is correctly specified. [2] The condition number is large, 8.75e+05. This might indicate that there are strong multicollinearity or other numerical problems.</a:t>
-            </a:r>
-            <a:endParaRPr lang="en-US" dirty="0"/>
-          </a:p>
-        </p:txBody>
-      </p:sp>
+        </p:nvGraphicFramePr>
+        <p:xfrm>
+          <a:off x="838200" y="1825625"/>
+          <a:ext cx="10515600" cy="4351338"/>
+        </p:xfrm>
+        <a:graphic>
+          <a:graphicData uri="http://schemas.openxmlformats.org/drawingml/2006/chart">
+            <c:chart xmlns:c="http://schemas.openxmlformats.org/drawingml/2006/chart" xmlns:r="http://schemas.openxmlformats.org/officeDocument/2006/relationships" r:id="rId2"/>
+          </a:graphicData>
+        </a:graphic>
+      </p:graphicFrame>
     </p:spTree>
     <p:extLst>
       <p:ext uri="{BB962C8B-B14F-4D97-AF65-F5344CB8AC3E}">
-        <p14:creationId xmlns:p14="http://schemas.microsoft.com/office/powerpoint/2010/main" val="3968897653"/>
+        <p14:creationId xmlns:p14="http://schemas.microsoft.com/office/powerpoint/2010/main" val="3390892042"/>
       </p:ext>
     </p:extLst>
   </p:cSld>
@@ -4975,7 +4527,7 @@
           <p:cNvPr id="2" name="Title 1">
             <a:extLst>
               <a:ext uri="{FF2B5EF4-FFF2-40B4-BE49-F238E27FC236}">
-                <a16:creationId xmlns:a16="http://schemas.microsoft.com/office/drawing/2014/main" id="{664C4F1C-2984-4B7B-BE7E-6AD69BA64DFD}"/>
+                <a16:creationId xmlns:a16="http://schemas.microsoft.com/office/drawing/2014/main" id="{444AC5DA-C935-7061-BA81-A39DBC7FE40A}"/>
               </a:ext>
             </a:extLst>
           </p:cNvPr>
@@ -4994,7 +4546,7 @@
           <a:lstStyle/>
           <a:p>
             <a:r>
-              <a:rPr lang="en-IN" sz="900" b="0" dirty="0" err="1">
+              <a:rPr lang="en-IN" sz="1600" b="0" dirty="0" err="1">
                 <a:solidFill>
                   <a:srgbClr val="000000"/>
                 </a:solidFill>
@@ -5004,7 +4556,7 @@
               <a:t>independent_vars</a:t>
             </a:r>
             <a:r>
-              <a:rPr lang="en-IN" sz="900" b="0" dirty="0">
+              <a:rPr lang="en-IN" sz="1600" b="0" dirty="0">
                 <a:solidFill>
                   <a:srgbClr val="000000"/>
                 </a:solidFill>
@@ -5014,7 +4566,7 @@
               <a:t> = data[[</a:t>
             </a:r>
             <a:r>
-              <a:rPr lang="en-IN" sz="900" b="0" dirty="0">
+              <a:rPr lang="en-IN" sz="1600" b="0" dirty="0">
                 <a:solidFill>
                   <a:srgbClr val="A31515"/>
                 </a:solidFill>
@@ -5024,101 +4576,251 @@
               <a:t>'Avg. Area Income'</a:t>
             </a:r>
             <a:r>
-              <a:rPr lang="en-IN" sz="900" b="0" dirty="0">
+              <a:rPr lang="en-IN" sz="1600" b="0" dirty="0">
                 <a:solidFill>
                   <a:srgbClr val="000000"/>
                 </a:solidFill>
                 <a:effectLst/>
                 <a:latin typeface="Courier New" panose="02070309020205020404" pitchFamily="49" charset="0"/>
               </a:rPr>
-              <a:t>, </a:t>
-            </a:r>
-            <a:r>
-              <a:rPr lang="en-IN" sz="900" b="0" dirty="0">
+              <a:t>,</a:t>
+            </a:r>
+            <a:r>
+              <a:rPr lang="en-IN" sz="1600" b="0" dirty="0">
                 <a:solidFill>
                   <a:srgbClr val="A31515"/>
                 </a:solidFill>
                 <a:effectLst/>
                 <a:latin typeface="Courier New" panose="02070309020205020404" pitchFamily="49" charset="0"/>
               </a:rPr>
-              <a:t>'Avg. Area House Age'</a:t>
-            </a:r>
-            <a:r>
-              <a:rPr lang="en-IN" sz="900" b="0" dirty="0">
+              <a:t>'</a:t>
+            </a:r>
+            <a:r>
+              <a:rPr lang="en-IN" sz="1600" b="0" dirty="0" err="1">
+                <a:solidFill>
+                  <a:srgbClr val="A31515"/>
+                </a:solidFill>
+                <a:effectLst/>
+                <a:latin typeface="Courier New" panose="02070309020205020404" pitchFamily="49" charset="0"/>
+              </a:rPr>
+              <a:t>Avg</a:t>
+            </a:r>
+            <a:r>
+              <a:rPr lang="en-IN" sz="1600" b="0" dirty="0">
+                <a:solidFill>
+                  <a:srgbClr val="A31515"/>
+                </a:solidFill>
+                <a:effectLst/>
+                <a:latin typeface="Courier New" panose="02070309020205020404" pitchFamily="49" charset="0"/>
+              </a:rPr>
+              <a:t>. Area House Age'</a:t>
+            </a:r>
+            <a:r>
+              <a:rPr lang="en-IN" sz="1600" b="0" dirty="0">
                 <a:solidFill>
                   <a:srgbClr val="000000"/>
                 </a:solidFill>
                 <a:effectLst/>
                 <a:latin typeface="Courier New" panose="02070309020205020404" pitchFamily="49" charset="0"/>
               </a:rPr>
+              <a:t>,</a:t>
+            </a:r>
+            <a:r>
+              <a:rPr lang="en-IN" sz="1600" b="0" dirty="0">
+                <a:solidFill>
+                  <a:srgbClr val="A31515"/>
+                </a:solidFill>
+                <a:effectLst/>
+                <a:latin typeface="Courier New" panose="02070309020205020404" pitchFamily="49" charset="0"/>
+              </a:rPr>
+              <a:t>'</a:t>
+            </a:r>
+            <a:r>
+              <a:rPr lang="en-IN" sz="1600" b="0" dirty="0" err="1">
+                <a:solidFill>
+                  <a:srgbClr val="A31515"/>
+                </a:solidFill>
+                <a:effectLst/>
+                <a:latin typeface="Courier New" panose="02070309020205020404" pitchFamily="49" charset="0"/>
+              </a:rPr>
+              <a:t>Avg</a:t>
+            </a:r>
+            <a:r>
+              <a:rPr lang="en-IN" sz="1600" b="0" dirty="0">
+                <a:solidFill>
+                  <a:srgbClr val="A31515"/>
+                </a:solidFill>
+                <a:effectLst/>
+                <a:latin typeface="Courier New" panose="02070309020205020404" pitchFamily="49" charset="0"/>
+              </a:rPr>
+              <a:t>. Area Number of Rooms'</a:t>
+            </a:r>
+            <a:r>
+              <a:rPr lang="en-IN" sz="1600" b="0" dirty="0">
+                <a:solidFill>
+                  <a:srgbClr val="000000"/>
+                </a:solidFill>
+                <a:effectLst/>
+                <a:latin typeface="Courier New" panose="02070309020205020404" pitchFamily="49" charset="0"/>
+              </a:rPr>
+              <a:t>,</a:t>
+            </a:r>
+            <a:r>
+              <a:rPr lang="en-IN" sz="1600" b="0" dirty="0">
+                <a:solidFill>
+                  <a:srgbClr val="A31515"/>
+                </a:solidFill>
+                <a:effectLst/>
+                <a:latin typeface="Courier New" panose="02070309020205020404" pitchFamily="49" charset="0"/>
+              </a:rPr>
+              <a:t>'</a:t>
+            </a:r>
+            <a:r>
+              <a:rPr lang="en-IN" sz="1600" b="0" dirty="0" err="1">
+                <a:solidFill>
+                  <a:srgbClr val="A31515"/>
+                </a:solidFill>
+                <a:effectLst/>
+                <a:latin typeface="Courier New" panose="02070309020205020404" pitchFamily="49" charset="0"/>
+              </a:rPr>
+              <a:t>Avg</a:t>
+            </a:r>
+            <a:r>
+              <a:rPr lang="en-IN" sz="1600" b="0" dirty="0">
+                <a:solidFill>
+                  <a:srgbClr val="A31515"/>
+                </a:solidFill>
+                <a:effectLst/>
+                <a:latin typeface="Courier New" panose="02070309020205020404" pitchFamily="49" charset="0"/>
+              </a:rPr>
+              <a:t>. Area Number of </a:t>
+            </a:r>
+            <a:r>
+              <a:rPr lang="en-IN" sz="1600" b="0" dirty="0" err="1">
+                <a:solidFill>
+                  <a:srgbClr val="A31515"/>
+                </a:solidFill>
+                <a:effectLst/>
+                <a:latin typeface="Courier New" panose="02070309020205020404" pitchFamily="49" charset="0"/>
+              </a:rPr>
+              <a:t>Bedrooms'</a:t>
+            </a:r>
+            <a:r>
+              <a:rPr lang="en-IN" sz="1600" b="0" dirty="0" err="1">
+                <a:solidFill>
+                  <a:srgbClr val="000000"/>
+                </a:solidFill>
+                <a:effectLst/>
+                <a:latin typeface="Courier New" panose="02070309020205020404" pitchFamily="49" charset="0"/>
+              </a:rPr>
+              <a:t>,</a:t>
+            </a:r>
+            <a:r>
+              <a:rPr lang="en-IN" sz="1600" b="0" dirty="0" err="1">
+                <a:solidFill>
+                  <a:srgbClr val="A31515"/>
+                </a:solidFill>
+                <a:effectLst/>
+                <a:latin typeface="Courier New" panose="02070309020205020404" pitchFamily="49" charset="0"/>
+              </a:rPr>
+              <a:t>'Area</a:t>
+            </a:r>
+            <a:r>
+              <a:rPr lang="en-IN" sz="1600" b="0" dirty="0">
+                <a:solidFill>
+                  <a:srgbClr val="A31515"/>
+                </a:solidFill>
+                <a:effectLst/>
+                <a:latin typeface="Courier New" panose="02070309020205020404" pitchFamily="49" charset="0"/>
+              </a:rPr>
+              <a:t> Population’</a:t>
+            </a:r>
+            <a:r>
+              <a:rPr lang="en-IN" sz="1600" b="0" dirty="0">
+                <a:solidFill>
+                  <a:srgbClr val="000000"/>
+                </a:solidFill>
+                <a:effectLst/>
+                <a:latin typeface="Courier New" panose="02070309020205020404" pitchFamily="49" charset="0"/>
+              </a:rPr>
               <a:t>]]</a:t>
             </a:r>
-            <a:br>
-              <a:rPr lang="en-IN" sz="1800" b="0" dirty="0">
-                <a:solidFill>
-                  <a:srgbClr val="000000"/>
-                </a:solidFill>
-                <a:effectLst/>
-                <a:latin typeface="Courier New" panose="02070309020205020404" pitchFamily="49" charset="0"/>
-              </a:rPr>
-            </a:br>
-            <a:br>
-              <a:rPr lang="en-IN" sz="1800" b="0" dirty="0">
-                <a:solidFill>
-                  <a:srgbClr val="000000"/>
-                </a:solidFill>
-                <a:effectLst/>
-                <a:latin typeface="Courier New" panose="02070309020205020404" pitchFamily="49" charset="0"/>
-              </a:rPr>
-            </a:br>
-            <a:br>
-              <a:rPr lang="en-IN" sz="1800" b="0" dirty="0">
-                <a:solidFill>
-                  <a:srgbClr val="000000"/>
-                </a:solidFill>
-                <a:effectLst/>
-                <a:latin typeface="Courier New" panose="02070309020205020404" pitchFamily="49" charset="0"/>
-              </a:rPr>
-            </a:br>
-            <a:endParaRPr lang="en-US" sz="1800" dirty="0"/>
-          </a:p>
-        </p:txBody>
-      </p:sp>
-      <p:sp>
-        <p:nvSpPr>
-          <p:cNvPr id="3" name="Content Placeholder 2">
-            <a:extLst>
-              <a:ext uri="{FF2B5EF4-FFF2-40B4-BE49-F238E27FC236}">
-                <a16:creationId xmlns:a16="http://schemas.microsoft.com/office/drawing/2014/main" id="{DE26691E-EC97-459F-9C7B-145FF1545D87}"/>
-              </a:ext>
-            </a:extLst>
-          </p:cNvPr>
-          <p:cNvSpPr>
-            <a:spLocks noGrp="1"/>
-          </p:cNvSpPr>
-          <p:nvPr>
-            <p:ph idx="1"/>
-          </p:nvPr>
-        </p:nvSpPr>
-        <p:spPr/>
-        <p:txBody>
-          <a:bodyPr>
-            <a:normAutofit fontScale="62500" lnSpcReduction="20000"/>
+            <a:endParaRPr lang="en-US" sz="1600" dirty="0"/>
+          </a:p>
+        </p:txBody>
+      </p:sp>
+      <p:sp>
+        <p:nvSpPr>
+          <p:cNvPr id="5" name="TextBox 4">
+            <a:extLst>
+              <a:ext uri="{FF2B5EF4-FFF2-40B4-BE49-F238E27FC236}">
+                <a16:creationId xmlns:a16="http://schemas.microsoft.com/office/drawing/2014/main" id="{57A54D16-25FC-CF2F-5419-2924F401EE3F}"/>
+              </a:ext>
+            </a:extLst>
+          </p:cNvPr>
+          <p:cNvSpPr txBox="1"/>
+          <p:nvPr/>
+        </p:nvSpPr>
+        <p:spPr>
+          <a:xfrm>
+            <a:off x="2648197" y="2066306"/>
+            <a:ext cx="184731" cy="369332"/>
+          </a:xfrm>
+          <a:prstGeom prst="rect">
+            <a:avLst/>
+          </a:prstGeom>
+          <a:noFill/>
+        </p:spPr>
+        <p:txBody>
+          <a:bodyPr wrap="square" rtlCol="0">
+            <a:spAutoFit/>
           </a:bodyPr>
           <a:lstStyle/>
           <a:p>
-            <a:r>
-              <a:rPr lang="en-IN" b="0" i="0" dirty="0">
+            <a:endParaRPr lang="en-US" dirty="0"/>
+          </a:p>
+        </p:txBody>
+      </p:sp>
+      <p:sp>
+        <p:nvSpPr>
+          <p:cNvPr id="7" name="TextBox 6">
+            <a:extLst>
+              <a:ext uri="{FF2B5EF4-FFF2-40B4-BE49-F238E27FC236}">
+                <a16:creationId xmlns:a16="http://schemas.microsoft.com/office/drawing/2014/main" id="{AEC376D9-787D-FD45-E866-2AFB2ABCA786}"/>
+              </a:ext>
+            </a:extLst>
+          </p:cNvPr>
+          <p:cNvSpPr txBox="1"/>
+          <p:nvPr/>
+        </p:nvSpPr>
+        <p:spPr>
+          <a:xfrm>
+            <a:off x="961901" y="1555668"/>
+            <a:ext cx="10925299" cy="3785652"/>
+          </a:xfrm>
+          <a:prstGeom prst="rect">
+            <a:avLst/>
+          </a:prstGeom>
+          <a:noFill/>
+        </p:spPr>
+        <p:txBody>
+          <a:bodyPr wrap="square">
+            <a:spAutoFit/>
+          </a:bodyPr>
+          <a:lstStyle/>
+          <a:p>
+            <a:r>
+              <a:rPr lang="en-IN" sz="1200" b="0" i="0" dirty="0">
                 <a:solidFill>
                   <a:srgbClr val="212121"/>
                 </a:solidFill>
                 <a:effectLst/>
                 <a:latin typeface="Courier New" panose="02070309020205020404" pitchFamily="49" charset="0"/>
               </a:rPr>
-              <a:t>OLS Regression Results ============================================================================== Dep. Variable: Price R-squared: 0.600 Model: OLS Adj. R-squared: 0.600 Method: Least Squares F-statistic: 3755. Date: Mon, 29 Jan 2024 Prob (F-statistic): 0.00 Time: 07:33:07 Log-Likelihood: -68674. No. Observations: 5000 AIC: 1.374e+05 </a:t>
-            </a:r>
-            <a:r>
-              <a:rPr lang="en-IN" b="0" i="0" dirty="0" err="1">
+              <a:t>Avg. Area Income Avg. Area House Age Avg. Area Number of Rooms \ 1303 68091 5 7 1051 75729 5 7 4904 70885 6 7 931 73386 4 7 4976 75046 5 7 ... ... ... ... 4171 56610 4 7 599 70596 6 6 1361 55621 3 6 1547 63044 5 5 4959 75078 7 8 Avg. Area Number of Bedrooms Area Population 1303 3 44557 1051 4 29996 4904 5 38627 931 4 38413 4976 5 34107 ... ... ... 4171 3 25494 599 3 51614 1361 2 63184 1547 4 32725 4959 4 56148 [3000 rows x 5 columns] Mean Squared Error (MSE): 59276979103.47522 R-squared (R2): 0.5335476994048952 OLS Regression Results ======================================================================================= Dep. Variable: Price R-squared (uncentered): 0.965 Model: OLS Adj. R-squared (uncentered): 0.965 Method: Least Squares F-statistic: 1.659e+04 Date: Mon, 29 Jan 2024 Prob (F-statistic): 0.00 Time: 07:56:18 Log-Likelihood: -41403. No. Observations: 3000 AIC: 8.282e+04 </a:t>
+            </a:r>
+            <a:r>
+              <a:rPr lang="en-IN" sz="1200" b="0" i="0" dirty="0" err="1">
                 <a:solidFill>
                   <a:srgbClr val="212121"/>
                 </a:solidFill>
@@ -5128,17 +4830,17 @@
               <a:t>Df</a:t>
             </a:r>
             <a:r>
-              <a:rPr lang="en-IN" b="0" i="0" dirty="0">
+              <a:rPr lang="en-IN" sz="1200" b="0" i="0" dirty="0">
                 <a:solidFill>
                   <a:srgbClr val="212121"/>
                 </a:solidFill>
                 <a:effectLst/>
                 <a:latin typeface="Courier New" panose="02070309020205020404" pitchFamily="49" charset="0"/>
               </a:rPr>
-              <a:t> Residuals: 4997 BIC: 1.374e+05 </a:t>
-            </a:r>
-            <a:r>
-              <a:rPr lang="en-IN" b="0" i="0" dirty="0" err="1">
+              <a:t> Residuals: 2995 BIC: 8.285e+04 </a:t>
+            </a:r>
+            <a:r>
+              <a:rPr lang="en-IN" sz="1200" b="0" i="0" dirty="0" err="1">
                 <a:solidFill>
                   <a:srgbClr val="212121"/>
                 </a:solidFill>
@@ -5148,17 +4850,17 @@
               <a:t>Df</a:t>
             </a:r>
             <a:r>
-              <a:rPr lang="en-IN" b="0" i="0" dirty="0">
+              <a:rPr lang="en-IN" sz="1200" b="0" i="0" dirty="0">
                 <a:solidFill>
                   <a:srgbClr val="212121"/>
                 </a:solidFill>
                 <a:effectLst/>
                 <a:latin typeface="Courier New" panose="02070309020205020404" pitchFamily="49" charset="0"/>
               </a:rPr>
-              <a:t> Model: 2 Covariance Type: </a:t>
-            </a:r>
-            <a:r>
-              <a:rPr lang="en-IN" b="0" i="0" dirty="0" err="1">
+              <a:t> Model: 5 Covariance Type: </a:t>
+            </a:r>
+            <a:r>
+              <a:rPr lang="en-IN" sz="1200" b="0" i="0" dirty="0" err="1">
                 <a:solidFill>
                   <a:srgbClr val="212121"/>
                 </a:solidFill>
@@ -5168,17 +4870,17 @@
               <a:t>nonrobust</a:t>
             </a:r>
             <a:r>
-              <a:rPr lang="en-IN" b="0" i="0" dirty="0">
+              <a:rPr lang="en-IN" sz="1200" b="0" i="0" dirty="0">
                 <a:solidFill>
                   <a:srgbClr val="212121"/>
                 </a:solidFill>
                 <a:effectLst/>
                 <a:latin typeface="Courier New" panose="02070309020205020404" pitchFamily="49" charset="0"/>
               </a:rPr>
-              <a:t> ======================================================================================= </a:t>
-            </a:r>
-            <a:r>
-              <a:rPr lang="en-IN" b="0" i="0" dirty="0" err="1">
+              <a:t> ================================================================================================ </a:t>
+            </a:r>
+            <a:r>
+              <a:rPr lang="en-IN" sz="1200" b="0" i="0" dirty="0" err="1">
                 <a:solidFill>
                   <a:srgbClr val="212121"/>
                 </a:solidFill>
@@ -5188,63 +4890,63 @@
               <a:t>coef</a:t>
             </a:r>
             <a:r>
-              <a:rPr lang="en-IN" b="0" i="0" dirty="0">
+              <a:rPr lang="en-IN" sz="1200" b="0" i="0" dirty="0">
                 <a:solidFill>
                   <a:srgbClr val="212121"/>
                 </a:solidFill>
                 <a:effectLst/>
                 <a:latin typeface="Courier New" panose="02070309020205020404" pitchFamily="49" charset="0"/>
               </a:rPr>
-              <a:t> std err t P&gt;|t| [0.025 0.975] --------------------------------------------------------------------------------------- </a:t>
-            </a:r>
-            <a:r>
-              <a:rPr lang="en-IN" b="0" i="0" dirty="0" err="1">
+              <a:t> std err t P&gt;|t| [0.025 0.975] ------------------------------------------------------------------------------------------------ Avg. Area Income 9.7145 0.333 29.161 0.000 9.061 10.368 Avg. Area House Age 5.355e+04 3767.501 14.213 0.000 4.62e+04 6.09e+04 Avg. Area Number of Rooms -3171.5994 4176.542 -0.759 0.448 -1.14e+04 5017.582 Avg. Area Number of Bedrooms 3237.3298 4075.709 0.794 0.427 -4754.142 1.12e+04 Area Population 8.2323 0.411 20.032 0.000 7.427 9.038 ============================================================================== Omnibus: 0.010 Durbin-Watson: 2.002 Prob(Omnibus): 0.995 Jarque-</a:t>
+            </a:r>
+            <a:r>
+              <a:rPr lang="en-IN" sz="1200" b="0" i="0" dirty="0" err="1">
                 <a:solidFill>
                   <a:srgbClr val="212121"/>
                 </a:solidFill>
                 <a:effectLst/>
                 <a:latin typeface="Courier New" panose="02070309020205020404" pitchFamily="49" charset="0"/>
               </a:rPr>
-              <a:t>const</a:t>
-            </a:r>
-            <a:r>
-              <a:rPr lang="en-IN" b="0" i="0" dirty="0">
+              <a:t>Bera</a:t>
+            </a:r>
+            <a:r>
+              <a:rPr lang="en-IN" sz="1200" b="0" i="0" dirty="0">
                 <a:solidFill>
                   <a:srgbClr val="212121"/>
                 </a:solidFill>
                 <a:effectLst/>
                 <a:latin typeface="Courier New" panose="02070309020205020404" pitchFamily="49" charset="0"/>
               </a:rPr>
-              <a:t> -1.037e+06 2.65e+04 -39.167 0.000 -1.09e+06 -9.85e+05 Avg. Area Income 21.1517 0.296 71.394 0.000 20.571 21.733 Avg. Area House Age 1.493e+05 3053.363 48.897 0.000 1.43e+05 1.55e+05 ============================================================================== Omnibus: 1.494 Durbin-Watson: 1.989 Prob(Omnibus): 0.474 Jarque-</a:t>
-            </a:r>
-            <a:r>
-              <a:rPr lang="en-IN" b="0" i="0" dirty="0" err="1">
+              <a:t> (JB): 0.004 Skew: 0.003 Prob(JB): 0.998 Kurtosis: 3.002 Cond. No. 9.37e+04 ============================================================================== Notes: [1] R² is computed without </a:t>
+            </a:r>
+            <a:r>
+              <a:rPr lang="en-IN" sz="1200" b="0" i="0" dirty="0" err="1">
                 <a:solidFill>
                   <a:srgbClr val="212121"/>
                 </a:solidFill>
                 <a:effectLst/>
                 <a:latin typeface="Courier New" panose="02070309020205020404" pitchFamily="49" charset="0"/>
               </a:rPr>
-              <a:t>Bera</a:t>
-            </a:r>
-            <a:r>
-              <a:rPr lang="en-IN" b="0" i="0" dirty="0">
+              <a:t>centering</a:t>
+            </a:r>
+            <a:r>
+              <a:rPr lang="en-IN" sz="1200" b="0" i="0" dirty="0">
                 <a:solidFill>
                   <a:srgbClr val="212121"/>
                 </a:solidFill>
                 <a:effectLst/>
                 <a:latin typeface="Courier New" panose="02070309020205020404" pitchFamily="49" charset="0"/>
               </a:rPr>
-              <a:t> (JB): 1.450 Skew: 0.024 Prob(JB): 0.484 Kurtosis: 3.068 Cond. No. 5.84e+05 ============================================================================== Notes: [1] Standard Errors assume that the covariance matrix of the errors is correctly specified. [2] The condition number is large, 5.84e+05. This might indicate that there are strong multicollinearity or other numerical problems.</a:t>
-            </a:r>
-            <a:endParaRPr lang="en-US" dirty="0"/>
+              <a:t> (uncentered) since the model does not contain a constant. [2] Standard Errors assume that the covariance matrix of the errors is correctly specified. [3] The condition number is large, 9.37e+04. This might indicate that there are strong multicollinearity or other numerical problems.</a:t>
+            </a:r>
+            <a:endParaRPr lang="en-US" sz="1200" dirty="0"/>
           </a:p>
         </p:txBody>
       </p:sp>
     </p:spTree>
     <p:extLst>
       <p:ext uri="{BB962C8B-B14F-4D97-AF65-F5344CB8AC3E}">
-        <p14:creationId xmlns:p14="http://schemas.microsoft.com/office/powerpoint/2010/main" val="1306873323"/>
+        <p14:creationId xmlns:p14="http://schemas.microsoft.com/office/powerpoint/2010/main" val="2879740731"/>
       </p:ext>
     </p:extLst>
   </p:cSld>
@@ -5271,253 +4973,57 @@
           <a:chExt cx="0" cy="0"/>
         </a:xfrm>
       </p:grpSpPr>
-      <p:sp>
-        <p:nvSpPr>
-          <p:cNvPr id="2" name="Title 1">
-            <a:extLst>
-              <a:ext uri="{FF2B5EF4-FFF2-40B4-BE49-F238E27FC236}">
-                <a16:creationId xmlns:a16="http://schemas.microsoft.com/office/drawing/2014/main" id="{664C4F1C-2984-4B7B-BE7E-6AD69BA64DFD}"/>
-              </a:ext>
-            </a:extLst>
-          </p:cNvPr>
-          <p:cNvSpPr>
-            <a:spLocks noGrp="1"/>
-          </p:cNvSpPr>
-          <p:nvPr>
-            <p:ph type="title"/>
-          </p:nvPr>
-        </p:nvSpPr>
-        <p:spPr/>
-        <p:txBody>
-          <a:bodyPr>
-            <a:noAutofit/>
-          </a:bodyPr>
-          <a:lstStyle/>
-          <a:p>
-            <a:r>
-              <a:rPr lang="en-IN" sz="900" b="0" dirty="0" err="1">
-                <a:solidFill>
-                  <a:srgbClr val="000000"/>
-                </a:solidFill>
-                <a:effectLst/>
-                <a:latin typeface="Courier New" panose="02070309020205020404" pitchFamily="49" charset="0"/>
-              </a:rPr>
-              <a:t>independent_vars</a:t>
-            </a:r>
-            <a:r>
-              <a:rPr lang="en-IN" sz="900" b="0" dirty="0">
-                <a:solidFill>
-                  <a:srgbClr val="000000"/>
-                </a:solidFill>
-                <a:effectLst/>
-                <a:latin typeface="Courier New" panose="02070309020205020404" pitchFamily="49" charset="0"/>
-              </a:rPr>
-              <a:t> = data[[</a:t>
-            </a:r>
-            <a:r>
-              <a:rPr lang="en-IN" sz="900" b="0" dirty="0">
-                <a:solidFill>
-                  <a:srgbClr val="A31515"/>
-                </a:solidFill>
-                <a:effectLst/>
-                <a:latin typeface="Courier New" panose="02070309020205020404" pitchFamily="49" charset="0"/>
-              </a:rPr>
-              <a:t>'Avg. Area Income'</a:t>
-            </a:r>
-            <a:r>
-              <a:rPr lang="en-IN" sz="900" b="0" dirty="0">
-                <a:solidFill>
-                  <a:srgbClr val="000000"/>
-                </a:solidFill>
-                <a:effectLst/>
-                <a:latin typeface="Courier New" panose="02070309020205020404" pitchFamily="49" charset="0"/>
-              </a:rPr>
-              <a:t>, </a:t>
-            </a:r>
-            <a:r>
-              <a:rPr lang="en-IN" sz="900" b="0" dirty="0">
-                <a:solidFill>
-                  <a:srgbClr val="A31515"/>
-                </a:solidFill>
-                <a:effectLst/>
-                <a:latin typeface="Courier New" panose="02070309020205020404" pitchFamily="49" charset="0"/>
-              </a:rPr>
-              <a:t>'Avg. Area Number of Rooms'</a:t>
-            </a:r>
-            <a:r>
-              <a:rPr lang="en-IN" sz="900" b="0" dirty="0">
-                <a:solidFill>
-                  <a:srgbClr val="000000"/>
-                </a:solidFill>
-                <a:effectLst/>
-                <a:latin typeface="Courier New" panose="02070309020205020404" pitchFamily="49" charset="0"/>
-              </a:rPr>
-              <a:t>]] </a:t>
-            </a:r>
-          </a:p>
-        </p:txBody>
-      </p:sp>
-      <p:sp>
-        <p:nvSpPr>
-          <p:cNvPr id="3" name="Content Placeholder 2">
-            <a:extLst>
-              <a:ext uri="{FF2B5EF4-FFF2-40B4-BE49-F238E27FC236}">
-                <a16:creationId xmlns:a16="http://schemas.microsoft.com/office/drawing/2014/main" id="{DE26691E-EC97-459F-9C7B-145FF1545D87}"/>
-              </a:ext>
-            </a:extLst>
-          </p:cNvPr>
-          <p:cNvSpPr>
-            <a:spLocks noGrp="1"/>
-          </p:cNvSpPr>
-          <p:nvPr>
-            <p:ph idx="1"/>
-          </p:nvPr>
-        </p:nvSpPr>
-        <p:spPr/>
-        <p:txBody>
-          <a:bodyPr>
-            <a:normAutofit fontScale="62500" lnSpcReduction="20000"/>
-          </a:bodyPr>
-          <a:lstStyle/>
-          <a:p>
-            <a:r>
-              <a:rPr lang="en-IN" b="0" i="0" dirty="0">
-                <a:solidFill>
-                  <a:srgbClr val="212121"/>
-                </a:solidFill>
-                <a:effectLst/>
-                <a:latin typeface="Courier New" panose="02070309020205020404" pitchFamily="49" charset="0"/>
-              </a:rPr>
-              <a:t>OLS Regression Results ============================================================================== Dep. Variable: Price R-squared: 0.519 Model: OLS Adj. R-squared: 0.519 Method: Least Squares F-statistic: 2693. Date: Mon, 29 Jan 2024 Prob (F-statistic): 0.00 Time: 07:33:49 Log-Likelihood: -69139. No. Observations: 5000 AIC: 1.383e+05 </a:t>
-            </a:r>
-            <a:r>
-              <a:rPr lang="en-IN" b="0" i="0" dirty="0" err="1">
-                <a:solidFill>
-                  <a:srgbClr val="212121"/>
-                </a:solidFill>
-                <a:effectLst/>
-                <a:latin typeface="Courier New" panose="02070309020205020404" pitchFamily="49" charset="0"/>
-              </a:rPr>
-              <a:t>Df</a:t>
-            </a:r>
-            <a:r>
-              <a:rPr lang="en-IN" b="0" i="0" dirty="0">
-                <a:solidFill>
-                  <a:srgbClr val="212121"/>
-                </a:solidFill>
-                <a:effectLst/>
-                <a:latin typeface="Courier New" panose="02070309020205020404" pitchFamily="49" charset="0"/>
-              </a:rPr>
-              <a:t> Residuals: 4997 BIC: 1.383e+05 </a:t>
-            </a:r>
-            <a:r>
-              <a:rPr lang="en-IN" b="0" i="0" dirty="0" err="1">
-                <a:solidFill>
-                  <a:srgbClr val="212121"/>
-                </a:solidFill>
-                <a:effectLst/>
-                <a:latin typeface="Courier New" panose="02070309020205020404" pitchFamily="49" charset="0"/>
-              </a:rPr>
-              <a:t>Df</a:t>
-            </a:r>
-            <a:r>
-              <a:rPr lang="en-IN" b="0" i="0" dirty="0">
-                <a:solidFill>
-                  <a:srgbClr val="212121"/>
-                </a:solidFill>
-                <a:effectLst/>
-                <a:latin typeface="Courier New" panose="02070309020205020404" pitchFamily="49" charset="0"/>
-              </a:rPr>
-              <a:t> Model: 2 Covariance Type: </a:t>
-            </a:r>
-            <a:r>
-              <a:rPr lang="en-IN" b="0" i="0" dirty="0" err="1">
-                <a:solidFill>
-                  <a:srgbClr val="212121"/>
-                </a:solidFill>
-                <a:effectLst/>
-                <a:latin typeface="Courier New" panose="02070309020205020404" pitchFamily="49" charset="0"/>
-              </a:rPr>
-              <a:t>nonrobust</a:t>
-            </a:r>
-            <a:r>
-              <a:rPr lang="en-IN" b="0" i="0" dirty="0">
-                <a:solidFill>
-                  <a:srgbClr val="212121"/>
-                </a:solidFill>
-                <a:effectLst/>
-                <a:latin typeface="Courier New" panose="02070309020205020404" pitchFamily="49" charset="0"/>
-              </a:rPr>
-              <a:t> ============================================================================================= </a:t>
-            </a:r>
-            <a:r>
-              <a:rPr lang="en-IN" b="0" i="0" dirty="0" err="1">
-                <a:solidFill>
-                  <a:srgbClr val="212121"/>
-                </a:solidFill>
-                <a:effectLst/>
-                <a:latin typeface="Courier New" panose="02070309020205020404" pitchFamily="49" charset="0"/>
-              </a:rPr>
-              <a:t>coef</a:t>
-            </a:r>
-            <a:r>
-              <a:rPr lang="en-IN" b="0" i="0" dirty="0">
-                <a:solidFill>
-                  <a:srgbClr val="212121"/>
-                </a:solidFill>
-                <a:effectLst/>
-                <a:latin typeface="Courier New" panose="02070309020205020404" pitchFamily="49" charset="0"/>
-              </a:rPr>
-              <a:t> std err t P&gt;|t| [0.025 0.975] --------------------------------------------------------------------------------------------- </a:t>
-            </a:r>
-            <a:r>
-              <a:rPr lang="en-IN" b="0" i="0" dirty="0" err="1">
-                <a:solidFill>
-                  <a:srgbClr val="212121"/>
-                </a:solidFill>
-                <a:effectLst/>
-                <a:latin typeface="Courier New" panose="02070309020205020404" pitchFamily="49" charset="0"/>
-              </a:rPr>
-              <a:t>const</a:t>
-            </a:r>
-            <a:r>
-              <a:rPr lang="en-IN" b="0" i="0" dirty="0">
-                <a:solidFill>
-                  <a:srgbClr val="212121"/>
-                </a:solidFill>
-                <a:effectLst/>
-                <a:latin typeface="Courier New" panose="02070309020205020404" pitchFamily="49" charset="0"/>
-              </a:rPr>
-              <a:t> -9.518e+05 3.13e+04 -30.429 0.000 -1.01e+06 -8.9e+05 Avg. Area Income 21.2939 0.325 65.487 0.000 20.656 21.931 Avg. Area Number of Rooms 1.114e+05 3305.252 33.715 0.000 1.05e+05 1.18e+05 ============================================================================== Omnibus: 0.402 Durbin-Watson: 1.990 Prob(Omnibus): 0.818 Jarque-</a:t>
-            </a:r>
-            <a:r>
-              <a:rPr lang="en-IN" b="0" i="0" dirty="0" err="1">
-                <a:solidFill>
-                  <a:srgbClr val="212121"/>
-                </a:solidFill>
-                <a:effectLst/>
-                <a:latin typeface="Courier New" panose="02070309020205020404" pitchFamily="49" charset="0"/>
-              </a:rPr>
-              <a:t>Bera</a:t>
-            </a:r>
-            <a:r>
-              <a:rPr lang="en-IN" b="0" i="0" dirty="0">
-                <a:solidFill>
-                  <a:srgbClr val="212121"/>
-                </a:solidFill>
-                <a:effectLst/>
-                <a:latin typeface="Courier New" panose="02070309020205020404" pitchFamily="49" charset="0"/>
-              </a:rPr>
-              <a:t> (JB): 0.381 Skew: -0.021 Prob(JB): 0.827 Kurtosis: 3.012 Cond. No. 6.28e+05 ============================================================================== Notes: [1] Standard Errors assume that the covariance matrix of the errors is correctly specified. [2] The condition number is large, 6.28e+05. This might indicate that there are strong multicollinearity or other numerical problems.</a:t>
-            </a:r>
-            <a:endParaRPr lang="en-US" dirty="0"/>
-          </a:p>
-        </p:txBody>
-      </p:sp>
+      <p:pic>
+        <p:nvPicPr>
+          <p:cNvPr id="2050" name="Picture 2">
+            <a:extLst>
+              <a:ext uri="{FF2B5EF4-FFF2-40B4-BE49-F238E27FC236}">
+                <a16:creationId xmlns:a16="http://schemas.microsoft.com/office/drawing/2014/main" id="{9EFD821B-247A-897B-F83D-59A2C9B8F533}"/>
+              </a:ext>
+            </a:extLst>
+          </p:cNvPr>
+          <p:cNvPicPr>
+            <a:picLocks noChangeAspect="1" noChangeArrowheads="1"/>
+          </p:cNvPicPr>
+          <p:nvPr/>
+        </p:nvPicPr>
+        <p:blipFill>
+          <a:blip r:embed="rId2">
+            <a:extLst>
+              <a:ext uri="{28A0092B-C50C-407E-A947-70E740481C1C}">
+                <a14:useLocalDpi xmlns:a14="http://schemas.microsoft.com/office/drawing/2010/main" val="0"/>
+              </a:ext>
+            </a:extLst>
+          </a:blip>
+          <a:srcRect/>
+          <a:stretch>
+            <a:fillRect/>
+          </a:stretch>
+        </p:blipFill>
+        <p:spPr bwMode="auto">
+          <a:xfrm>
+            <a:off x="2138363" y="0"/>
+            <a:ext cx="7913687" cy="6858000"/>
+          </a:xfrm>
+          <a:prstGeom prst="rect">
+            <a:avLst/>
+          </a:prstGeom>
+          <a:noFill/>
+          <a:extLst>
+            <a:ext uri="{909E8E84-426E-40DD-AFC4-6F175D3DCCD1}">
+              <a14:hiddenFill xmlns:a14="http://schemas.microsoft.com/office/drawing/2010/main">
+                <a:solidFill>
+                  <a:srgbClr val="FFFFFF"/>
+                </a:solidFill>
+              </a14:hiddenFill>
+            </a:ext>
+          </a:extLst>
+        </p:spPr>
+      </p:pic>
     </p:spTree>
     <p:extLst>
       <p:ext uri="{BB962C8B-B14F-4D97-AF65-F5344CB8AC3E}">
-        <p14:creationId xmlns:p14="http://schemas.microsoft.com/office/powerpoint/2010/main" val="1877093827"/>
+        <p14:creationId xmlns:p14="http://schemas.microsoft.com/office/powerpoint/2010/main" val="703179638"/>
       </p:ext>
     </p:extLst>
   </p:cSld>
@@ -5546,10 +5052,106 @@
       </p:grpSpPr>
       <p:sp>
         <p:nvSpPr>
-          <p:cNvPr id="6" name="TextBox 5">
-            <a:extLst>
-              <a:ext uri="{FF2B5EF4-FFF2-40B4-BE49-F238E27FC236}">
-                <a16:creationId xmlns:a16="http://schemas.microsoft.com/office/drawing/2014/main" id="{56EE3C80-375F-30FA-5157-F21327A23F73}"/>
+          <p:cNvPr id="2" name="Title 1">
+            <a:extLst>
+              <a:ext uri="{FF2B5EF4-FFF2-40B4-BE49-F238E27FC236}">
+                <a16:creationId xmlns:a16="http://schemas.microsoft.com/office/drawing/2014/main" id="{8D411B25-6EF0-7732-0DE9-F8EFC18D20BC}"/>
+              </a:ext>
+            </a:extLst>
+          </p:cNvPr>
+          <p:cNvSpPr>
+            <a:spLocks noGrp="1"/>
+          </p:cNvSpPr>
+          <p:nvPr>
+            <p:ph type="title"/>
+          </p:nvPr>
+        </p:nvSpPr>
+        <p:spPr/>
+        <p:txBody>
+          <a:bodyPr>
+            <a:normAutofit/>
+          </a:bodyPr>
+          <a:lstStyle/>
+          <a:p>
+            <a:r>
+              <a:rPr lang="en-IN" sz="1400" b="0" dirty="0" err="1">
+                <a:solidFill>
+                  <a:srgbClr val="000000"/>
+                </a:solidFill>
+                <a:effectLst/>
+                <a:latin typeface="Courier New" panose="02070309020205020404" pitchFamily="49" charset="0"/>
+              </a:rPr>
+              <a:t>independent_vars</a:t>
+            </a:r>
+            <a:r>
+              <a:rPr lang="en-IN" sz="1400" b="0" dirty="0">
+                <a:solidFill>
+                  <a:srgbClr val="000000"/>
+                </a:solidFill>
+                <a:effectLst/>
+                <a:latin typeface="Courier New" panose="02070309020205020404" pitchFamily="49" charset="0"/>
+              </a:rPr>
+              <a:t> = data[[</a:t>
+            </a:r>
+            <a:r>
+              <a:rPr lang="en-IN" sz="1400" b="0" dirty="0">
+                <a:solidFill>
+                  <a:srgbClr val="A31515"/>
+                </a:solidFill>
+                <a:effectLst/>
+                <a:latin typeface="Courier New" panose="02070309020205020404" pitchFamily="49" charset="0"/>
+              </a:rPr>
+              <a:t>'Avg. Area Income'</a:t>
+            </a:r>
+            <a:r>
+              <a:rPr lang="en-IN" sz="1400" b="0" dirty="0">
+                <a:solidFill>
+                  <a:srgbClr val="000000"/>
+                </a:solidFill>
+                <a:effectLst/>
+                <a:latin typeface="Courier New" panose="02070309020205020404" pitchFamily="49" charset="0"/>
+              </a:rPr>
+              <a:t>, </a:t>
+            </a:r>
+            <a:r>
+              <a:rPr lang="en-IN" sz="1400" b="0" dirty="0">
+                <a:solidFill>
+                  <a:srgbClr val="A31515"/>
+                </a:solidFill>
+                <a:effectLst/>
+                <a:latin typeface="Courier New" panose="02070309020205020404" pitchFamily="49" charset="0"/>
+              </a:rPr>
+              <a:t>'Avg. Area House Age'</a:t>
+            </a:r>
+            <a:r>
+              <a:rPr lang="en-IN" sz="1400" b="0" dirty="0">
+                <a:solidFill>
+                  <a:srgbClr val="000000"/>
+                </a:solidFill>
+                <a:effectLst/>
+                <a:latin typeface="Courier New" panose="02070309020205020404" pitchFamily="49" charset="0"/>
+              </a:rPr>
+              <a:t>]]</a:t>
+            </a:r>
+            <a:br>
+              <a:rPr lang="en-IN" sz="1400" b="0" dirty="0">
+                <a:solidFill>
+                  <a:srgbClr val="000000"/>
+                </a:solidFill>
+                <a:effectLst/>
+                <a:latin typeface="Courier New" panose="02070309020205020404" pitchFamily="49" charset="0"/>
+              </a:rPr>
+            </a:br>
+            <a:endParaRPr lang="en-US" sz="1400" dirty="0"/>
+          </a:p>
+        </p:txBody>
+      </p:sp>
+      <p:sp>
+        <p:nvSpPr>
+          <p:cNvPr id="5" name="TextBox 4">
+            <a:extLst>
+              <a:ext uri="{FF2B5EF4-FFF2-40B4-BE49-F238E27FC236}">
+                <a16:creationId xmlns:a16="http://schemas.microsoft.com/office/drawing/2014/main" id="{9CDFE519-F719-7B2C-5C4C-E93A836CAFB6}"/>
               </a:ext>
             </a:extLst>
           </p:cNvPr>
@@ -5558,8 +5160,8 @@
         </p:nvSpPr>
         <p:spPr>
           <a:xfrm>
-            <a:off x="304800" y="293077"/>
-            <a:ext cx="11359662" cy="3785652"/>
+            <a:off x="838199" y="2291938"/>
+            <a:ext cx="10515599" cy="3046988"/>
           </a:xfrm>
           <a:prstGeom prst="rect">
             <a:avLst/>
@@ -5580,7 +5182,7 @@
                 <a:effectLst/>
                 <a:latin typeface="Courier New" panose="02070309020205020404" pitchFamily="49" charset="0"/>
               </a:rPr>
-              <a:t>Avg. Area Income Avg. Area House Age Avg. Area Number of Rooms \ 1303 68091 5 7 1051 75729 5 7 4904 70885 6 7 931 73386 4 7 4976 75046 5 7 ... ... ... ... 4171 56610 4 7 599 70596 6 6 1361 55621 3 6 1547 63044 5 5 4959 75078 7 8 Avg. Area Number of Bedrooms Area Population 1303 3 44557 1051 4 29996 4904 5 38627 931 4 38413 4976 5 34107 ... ... ... 4171 3 25494 599 3 51614 1361 2 63184 1547 4 32725 4959 4 56148 [3000 rows x 5 columns] Mean Squared Error (MSE): 59276979103.47522 R-squared (R2): 0.5335476994048952 OLS Regression Results ======================================================================================= Dep. Variable: Price R-squared (uncentered): 0.965 Model: OLS Adj. R-squared (uncentered): 0.965 Method: Least Squares F-statistic: 1.659e+04 Date: Mon, 29 Jan 2024 Prob (F-statistic): 0.00 Time: 07:56:18 Log-Likelihood: -41403. No. Observations: 3000 AIC: 8.282e+04 </a:t>
+              <a:t>Avg. Area Income Avg. Area House Age 1303 68091 5 1051 75729 5 4904 70885 6 931 73386 4 4976 75046 5 ... ... ... 4171 56610 4 599 70596 6 1361 55621 3 1547 63044 5 4959 75078 7 [3000 rows x 2 columns] Mean Squared Error (MSE): 65402859366.56391 R-squared (R2): 0.48534296655405484 OLS Regression Results ======================================================================================= Dep. Variable: Price R-squared (uncentered): 0.960 Model: OLS Adj. R-squared (uncentered): 0.960 Method: Least Squares F-statistic: 3.619e+04 Date: Mon, 29 Jan 2024 Prob (F-statistic): 0.00 Time: 09:26:56 Log-Likelihood: -41601. No. Observations: 3000 AIC: 8.321e+04 </a:t>
             </a:r>
             <a:r>
               <a:rPr lang="en-IN" sz="1200" b="0" i="0" dirty="0" err="1">
@@ -5600,7 +5202,7 @@
                 <a:effectLst/>
                 <a:latin typeface="Courier New" panose="02070309020205020404" pitchFamily="49" charset="0"/>
               </a:rPr>
-              <a:t> Residuals: 2995 BIC: 8.285e+04 </a:t>
+              <a:t> Residuals: 2998 BIC: 8.322e+04 </a:t>
             </a:r>
             <a:r>
               <a:rPr lang="en-IN" sz="1200" b="0" i="0" dirty="0" err="1">
@@ -5620,7 +5222,7 @@
                 <a:effectLst/>
                 <a:latin typeface="Courier New" panose="02070309020205020404" pitchFamily="49" charset="0"/>
               </a:rPr>
-              <a:t> Model: 5 Covariance Type: </a:t>
+              <a:t> Model: 2 Covariance Type: </a:t>
             </a:r>
             <a:r>
               <a:rPr lang="en-IN" sz="1200" b="0" i="0" dirty="0" err="1">
@@ -5640,7 +5242,7 @@
                 <a:effectLst/>
                 <a:latin typeface="Courier New" panose="02070309020205020404" pitchFamily="49" charset="0"/>
               </a:rPr>
-              <a:t> ================================================================================================ </a:t>
+              <a:t> ======================================================================================= </a:t>
             </a:r>
             <a:r>
               <a:rPr lang="en-IN" sz="1200" b="0" i="0" dirty="0" err="1">
@@ -5660,7 +5262,7 @@
                 <a:effectLst/>
                 <a:latin typeface="Courier New" panose="02070309020205020404" pitchFamily="49" charset="0"/>
               </a:rPr>
-              <a:t> std err t P&gt;|t| [0.025 0.975] ------------------------------------------------------------------------------------------------ Avg. Area Income 9.7145 0.333 29.161 0.000 9.061 10.368 Avg. Area House Age 5.355e+04 3767.501 14.213 0.000 4.62e+04 6.09e+04 Avg. Area Number of Rooms -3171.5994 4176.542 -0.759 0.448 -1.14e+04 5017.582 Avg. Area Number of Bedrooms 3237.3298 4075.709 0.794 0.427 -4754.142 1.12e+04 Area Population 8.2323 0.411 20.032 0.000 7.427 9.038 ============================================================================== Omnibus: 0.010 Durbin-Watson: 2.002 Prob(Omnibus): 0.995 Jarque-</a:t>
+              <a:t> std err t P&gt;|t| [0.025 0.975] --------------------------------------------------------------------------------------- Avg. Area Income 12.1498 0.286 42.530 0.000 11.590 12.710 Avg. Area House Age 7.509e+04 3545.969 21.175 0.000 6.81e+04 8.2e+04 ============================================================================== Omnibus: 0.585 Durbin-Watson: 2.027 Prob(Omnibus): 0.746 Jarque-</a:t>
             </a:r>
             <a:r>
               <a:rPr lang="en-IN" sz="1200" b="0" i="0" dirty="0" err="1">
@@ -5680,7 +5282,7 @@
                 <a:effectLst/>
                 <a:latin typeface="Courier New" panose="02070309020205020404" pitchFamily="49" charset="0"/>
               </a:rPr>
-              <a:t> (JB): 0.004 Skew: 0.003 Prob(JB): 0.998 Kurtosis: 3.002 Cond. No. 9.37e+04 ============================================================================== Notes: [1] R² is computed without </a:t>
+              <a:t> (JB): 0.625 Skew: 0.031 Prob(JB): 0.732 Kurtosis: 2.966 Cond. No. 5.27e+04 ============================================================================== Notes: [1] R² is computed without </a:t>
             </a:r>
             <a:r>
               <a:rPr lang="en-IN" sz="1200" b="0" i="0" dirty="0" err="1">
@@ -5700,7 +5302,7 @@
                 <a:effectLst/>
                 <a:latin typeface="Courier New" panose="02070309020205020404" pitchFamily="49" charset="0"/>
               </a:rPr>
-              <a:t> (uncentered) since the model does not contain a constant. [2] Standard Errors assume that the covariance matrix of the errors is correctly specified. [3] The condition number is large, 9.37e+04. This might indicate that there are strong multicollinearity or other numerical problems.</a:t>
+              <a:t> (uncentered) since the model does not contain a constant. [2] Standard Errors assume that the covariance matrix of the errors is correctly specified. [3] The condition number is large, 5.27e+04. This might indicate that there are strong multicollinearity or other numerical problems.</a:t>
             </a:r>
             <a:endParaRPr lang="en-US" sz="1200" dirty="0"/>
           </a:p>
@@ -5709,7 +5311,7 @@
     </p:spTree>
     <p:extLst>
       <p:ext uri="{BB962C8B-B14F-4D97-AF65-F5344CB8AC3E}">
-        <p14:creationId xmlns:p14="http://schemas.microsoft.com/office/powerpoint/2010/main" val="1842987336"/>
+        <p14:creationId xmlns:p14="http://schemas.microsoft.com/office/powerpoint/2010/main" val="817903184"/>
       </p:ext>
     </p:extLst>
   </p:cSld>
@@ -5736,19 +5338,46 @@
           <a:chExt cx="0" cy="0"/>
         </a:xfrm>
       </p:grpSpPr>
+      <p:sp>
+        <p:nvSpPr>
+          <p:cNvPr id="2" name="Title 1">
+            <a:extLst>
+              <a:ext uri="{FF2B5EF4-FFF2-40B4-BE49-F238E27FC236}">
+                <a16:creationId xmlns:a16="http://schemas.microsoft.com/office/drawing/2014/main" id="{291960B0-C54D-52DB-A657-17F60D032468}"/>
+              </a:ext>
+            </a:extLst>
+          </p:cNvPr>
+          <p:cNvSpPr>
+            <a:spLocks noGrp="1"/>
+          </p:cNvSpPr>
+          <p:nvPr>
+            <p:ph type="title"/>
+          </p:nvPr>
+        </p:nvSpPr>
+        <p:spPr/>
+        <p:txBody>
+          <a:bodyPr/>
+          <a:lstStyle/>
+          <a:p>
+            <a:endParaRPr lang="en-US"/>
+          </a:p>
+        </p:txBody>
+      </p:sp>
       <p:pic>
         <p:nvPicPr>
-          <p:cNvPr id="2050" name="Picture 2">
-            <a:extLst>
-              <a:ext uri="{FF2B5EF4-FFF2-40B4-BE49-F238E27FC236}">
-                <a16:creationId xmlns:a16="http://schemas.microsoft.com/office/drawing/2014/main" id="{9EFD821B-247A-897B-F83D-59A2C9B8F533}"/>
+          <p:cNvPr id="5122" name="Picture 2">
+            <a:extLst>
+              <a:ext uri="{FF2B5EF4-FFF2-40B4-BE49-F238E27FC236}">
+                <a16:creationId xmlns:a16="http://schemas.microsoft.com/office/drawing/2014/main" id="{7AC48BF6-BB2A-6430-6FBD-ADF6A830AED9}"/>
               </a:ext>
             </a:extLst>
           </p:cNvPr>
           <p:cNvPicPr>
-            <a:picLocks noChangeAspect="1" noChangeArrowheads="1"/>
+            <a:picLocks noGrp="1" noChangeAspect="1" noChangeArrowheads="1"/>
           </p:cNvPicPr>
-          <p:nvPr/>
+          <p:nvPr>
+            <p:ph idx="1"/>
+          </p:nvPr>
         </p:nvPicPr>
         <p:blipFill>
           <a:blip r:embed="rId2">
@@ -5765,8 +5394,8 @@
         </p:blipFill>
         <p:spPr bwMode="auto">
           <a:xfrm>
-            <a:off x="2138363" y="0"/>
-            <a:ext cx="7913687" cy="6858000"/>
+            <a:off x="3585985" y="1825625"/>
+            <a:ext cx="5020029" cy="4351338"/>
           </a:xfrm>
           <a:prstGeom prst="rect">
             <a:avLst/>
@@ -5786,7 +5415,408 @@
     </p:spTree>
     <p:extLst>
       <p:ext uri="{BB962C8B-B14F-4D97-AF65-F5344CB8AC3E}">
-        <p14:creationId xmlns:p14="http://schemas.microsoft.com/office/powerpoint/2010/main" val="703179638"/>
+        <p14:creationId xmlns:p14="http://schemas.microsoft.com/office/powerpoint/2010/main" val="3425435745"/>
+      </p:ext>
+    </p:extLst>
+  </p:cSld>
+  <p:clrMapOvr>
+    <a:masterClrMapping/>
+  </p:clrMapOvr>
+</p:sld>
+</file>
+
+<file path=ppt/slides/slide8.xml><?xml version="1.0" encoding="utf-8"?>
+<p:sld xmlns:a="http://schemas.openxmlformats.org/drawingml/2006/main" xmlns:r="http://schemas.openxmlformats.org/officeDocument/2006/relationships" xmlns:p="http://schemas.openxmlformats.org/presentationml/2006/main">
+  <p:cSld>
+    <p:spTree>
+      <p:nvGrpSpPr>
+        <p:cNvPr id="1" name=""/>
+        <p:cNvGrpSpPr/>
+        <p:nvPr/>
+      </p:nvGrpSpPr>
+      <p:grpSpPr>
+        <a:xfrm>
+          <a:off x="0" y="0"/>
+          <a:ext cx="0" cy="0"/>
+          <a:chOff x="0" y="0"/>
+          <a:chExt cx="0" cy="0"/>
+        </a:xfrm>
+      </p:grpSpPr>
+      <p:sp>
+        <p:nvSpPr>
+          <p:cNvPr id="2" name="Title 1">
+            <a:extLst>
+              <a:ext uri="{FF2B5EF4-FFF2-40B4-BE49-F238E27FC236}">
+                <a16:creationId xmlns:a16="http://schemas.microsoft.com/office/drawing/2014/main" id="{8D411B25-6EF0-7732-0DE9-F8EFC18D20BC}"/>
+              </a:ext>
+            </a:extLst>
+          </p:cNvPr>
+          <p:cNvSpPr>
+            <a:spLocks noGrp="1"/>
+          </p:cNvSpPr>
+          <p:nvPr>
+            <p:ph type="title"/>
+          </p:nvPr>
+        </p:nvSpPr>
+        <p:spPr/>
+        <p:txBody>
+          <a:bodyPr>
+            <a:normAutofit/>
+          </a:bodyPr>
+          <a:lstStyle/>
+          <a:p>
+            <a:r>
+              <a:rPr lang="en-IN" sz="800" b="0" dirty="0" err="1">
+                <a:solidFill>
+                  <a:srgbClr val="000000"/>
+                </a:solidFill>
+                <a:effectLst/>
+                <a:latin typeface="Courier New" panose="02070309020205020404" pitchFamily="49" charset="0"/>
+              </a:rPr>
+              <a:t>independent_vars</a:t>
+            </a:r>
+            <a:r>
+              <a:rPr lang="en-IN" sz="800" b="0" dirty="0">
+                <a:solidFill>
+                  <a:srgbClr val="000000"/>
+                </a:solidFill>
+                <a:effectLst/>
+                <a:latin typeface="Courier New" panose="02070309020205020404" pitchFamily="49" charset="0"/>
+              </a:rPr>
+              <a:t> = data[[</a:t>
+            </a:r>
+            <a:r>
+              <a:rPr lang="en-IN" sz="800" b="0" dirty="0">
+                <a:solidFill>
+                  <a:srgbClr val="A31515"/>
+                </a:solidFill>
+                <a:effectLst/>
+                <a:latin typeface="Courier New" panose="02070309020205020404" pitchFamily="49" charset="0"/>
+              </a:rPr>
+              <a:t>'Avg. Area Income'</a:t>
+            </a:r>
+            <a:r>
+              <a:rPr lang="en-IN" sz="800" b="0" dirty="0">
+                <a:solidFill>
+                  <a:srgbClr val="000000"/>
+                </a:solidFill>
+                <a:effectLst/>
+                <a:latin typeface="Courier New" panose="02070309020205020404" pitchFamily="49" charset="0"/>
+              </a:rPr>
+              <a:t>, </a:t>
+            </a:r>
+            <a:r>
+              <a:rPr lang="en-IN" sz="800" b="0" dirty="0">
+                <a:solidFill>
+                  <a:srgbClr val="A31515"/>
+                </a:solidFill>
+                <a:effectLst/>
+                <a:latin typeface="Courier New" panose="02070309020205020404" pitchFamily="49" charset="0"/>
+              </a:rPr>
+              <a:t>'Avg. Area Number of Rooms'</a:t>
+            </a:r>
+            <a:r>
+              <a:rPr lang="en-IN" sz="800" b="0" dirty="0">
+                <a:solidFill>
+                  <a:srgbClr val="000000"/>
+                </a:solidFill>
+                <a:effectLst/>
+                <a:latin typeface="Courier New" panose="02070309020205020404" pitchFamily="49" charset="0"/>
+              </a:rPr>
+              <a:t>]]</a:t>
+            </a:r>
+            <a:br>
+              <a:rPr lang="en-IN" sz="800" b="0" dirty="0">
+                <a:solidFill>
+                  <a:srgbClr val="000000"/>
+                </a:solidFill>
+                <a:effectLst/>
+                <a:latin typeface="Courier New" panose="02070309020205020404" pitchFamily="49" charset="0"/>
+              </a:rPr>
+            </a:br>
+            <a:br>
+              <a:rPr lang="en-IN" sz="1400" b="0" dirty="0">
+                <a:solidFill>
+                  <a:srgbClr val="000000"/>
+                </a:solidFill>
+                <a:effectLst/>
+                <a:latin typeface="Courier New" panose="02070309020205020404" pitchFamily="49" charset="0"/>
+              </a:rPr>
+            </a:br>
+            <a:endParaRPr lang="en-US" sz="1400" dirty="0"/>
+          </a:p>
+        </p:txBody>
+      </p:sp>
+      <p:sp>
+        <p:nvSpPr>
+          <p:cNvPr id="5" name="TextBox 4">
+            <a:extLst>
+              <a:ext uri="{FF2B5EF4-FFF2-40B4-BE49-F238E27FC236}">
+                <a16:creationId xmlns:a16="http://schemas.microsoft.com/office/drawing/2014/main" id="{9CDFE519-F719-7B2C-5C4C-E93A836CAFB6}"/>
+              </a:ext>
+            </a:extLst>
+          </p:cNvPr>
+          <p:cNvSpPr txBox="1"/>
+          <p:nvPr/>
+        </p:nvSpPr>
+        <p:spPr>
+          <a:xfrm>
+            <a:off x="838199" y="2291938"/>
+            <a:ext cx="10515599" cy="3046988"/>
+          </a:xfrm>
+          <a:prstGeom prst="rect">
+            <a:avLst/>
+          </a:prstGeom>
+          <a:noFill/>
+        </p:spPr>
+        <p:txBody>
+          <a:bodyPr wrap="square">
+            <a:spAutoFit/>
+          </a:bodyPr>
+          <a:lstStyle/>
+          <a:p>
+            <a:r>
+              <a:rPr lang="en-IN" sz="1200" b="0" i="0" dirty="0">
+                <a:solidFill>
+                  <a:srgbClr val="212121"/>
+                </a:solidFill>
+                <a:effectLst/>
+                <a:latin typeface="Courier New" panose="02070309020205020404" pitchFamily="49" charset="0"/>
+              </a:rPr>
+              <a:t>Avg. Area Income Avg. Area Number of Rooms 1303 68091 7 1051 75729 7 4904 70885 7 931 73386 7 4976 75046 7 ... ... ... 4171 56610 7 599 70596 6 1361 55621 6 1547 63044 5 4959 75078 8 [3000 rows x 2 columns] Mean Squared Error (MSE): 71624171343.72728 R-squared (R2): 0.43638727872451766 OLS Regression Results ======================================================================================= Dep. Variable: Price R-squared (uncentered): 0.957 Model: OLS Adj. R-squared (uncentered): 0.957 Method: Least Squares F-statistic: 3.307e+04 Date: Mon, 29 Jan 2024 Prob (F-statistic): 0.00 Time: 09:29:12 Log-Likelihood: -41731. No. Observations: 3000 AIC: 8.347e+04 </a:t>
+            </a:r>
+            <a:r>
+              <a:rPr lang="en-IN" sz="1200" b="0" i="0" dirty="0" err="1">
+                <a:solidFill>
+                  <a:srgbClr val="212121"/>
+                </a:solidFill>
+                <a:effectLst/>
+                <a:latin typeface="Courier New" panose="02070309020205020404" pitchFamily="49" charset="0"/>
+              </a:rPr>
+              <a:t>Df</a:t>
+            </a:r>
+            <a:r>
+              <a:rPr lang="en-IN" sz="1200" b="0" i="0" dirty="0">
+                <a:solidFill>
+                  <a:srgbClr val="212121"/>
+                </a:solidFill>
+                <a:effectLst/>
+                <a:latin typeface="Courier New" panose="02070309020205020404" pitchFamily="49" charset="0"/>
+              </a:rPr>
+              <a:t> Residuals: 2998 BIC: 8.348e+04 </a:t>
+            </a:r>
+            <a:r>
+              <a:rPr lang="en-IN" sz="1200" b="0" i="0" dirty="0" err="1">
+                <a:solidFill>
+                  <a:srgbClr val="212121"/>
+                </a:solidFill>
+                <a:effectLst/>
+                <a:latin typeface="Courier New" panose="02070309020205020404" pitchFamily="49" charset="0"/>
+              </a:rPr>
+              <a:t>Df</a:t>
+            </a:r>
+            <a:r>
+              <a:rPr lang="en-IN" sz="1200" b="0" i="0" dirty="0">
+                <a:solidFill>
+                  <a:srgbClr val="212121"/>
+                </a:solidFill>
+                <a:effectLst/>
+                <a:latin typeface="Courier New" panose="02070309020205020404" pitchFamily="49" charset="0"/>
+              </a:rPr>
+              <a:t> Model: 2 Covariance Type: </a:t>
+            </a:r>
+            <a:r>
+              <a:rPr lang="en-IN" sz="1200" b="0" i="0" dirty="0" err="1">
+                <a:solidFill>
+                  <a:srgbClr val="212121"/>
+                </a:solidFill>
+                <a:effectLst/>
+                <a:latin typeface="Courier New" panose="02070309020205020404" pitchFamily="49" charset="0"/>
+              </a:rPr>
+              <a:t>nonrobust</a:t>
+            </a:r>
+            <a:r>
+              <a:rPr lang="en-IN" sz="1200" b="0" i="0" dirty="0">
+                <a:solidFill>
+                  <a:srgbClr val="212121"/>
+                </a:solidFill>
+                <a:effectLst/>
+                <a:latin typeface="Courier New" panose="02070309020205020404" pitchFamily="49" charset="0"/>
+              </a:rPr>
+              <a:t> ============================================================================================= </a:t>
+            </a:r>
+            <a:r>
+              <a:rPr lang="en-IN" sz="1200" b="0" i="0" dirty="0" err="1">
+                <a:solidFill>
+                  <a:srgbClr val="212121"/>
+                </a:solidFill>
+                <a:effectLst/>
+                <a:latin typeface="Courier New" panose="02070309020205020404" pitchFamily="49" charset="0"/>
+              </a:rPr>
+              <a:t>coef</a:t>
+            </a:r>
+            <a:r>
+              <a:rPr lang="en-IN" sz="1200" b="0" i="0" dirty="0">
+                <a:solidFill>
+                  <a:srgbClr val="212121"/>
+                </a:solidFill>
+                <a:effectLst/>
+                <a:latin typeface="Courier New" panose="02070309020205020404" pitchFamily="49" charset="0"/>
+              </a:rPr>
+              <a:t> std err t P&gt;|t| [0.025 0.975] --------------------------------------------------------------------------------------------- Avg. Area Income 14.0682 0.318 44.201 0.000 13.444 14.692 Avg. Area Number of Rooms 4.28e+04 3354.437 12.759 0.000 3.62e+04 4.94e+04 ============================================================================== Omnibus: 1.854 Durbin-Watson: 2.022 Prob(Omnibus): 0.396 Jarque-</a:t>
+            </a:r>
+            <a:r>
+              <a:rPr lang="en-IN" sz="1200" b="0" i="0" dirty="0" err="1">
+                <a:solidFill>
+                  <a:srgbClr val="212121"/>
+                </a:solidFill>
+                <a:effectLst/>
+                <a:latin typeface="Courier New" panose="02070309020205020404" pitchFamily="49" charset="0"/>
+              </a:rPr>
+              <a:t>Bera</a:t>
+            </a:r>
+            <a:r>
+              <a:rPr lang="en-IN" sz="1200" b="0" i="0" dirty="0">
+                <a:solidFill>
+                  <a:srgbClr val="212121"/>
+                </a:solidFill>
+                <a:effectLst/>
+                <a:latin typeface="Courier New" panose="02070309020205020404" pitchFamily="49" charset="0"/>
+              </a:rPr>
+              <a:t> (JB): 1.823 Skew: -0.023 Prob(JB): 0.402 Kurtosis: 2.889 Cond. No. 4.78e+04 ============================================================================== Notes: [1] R² is computed without </a:t>
+            </a:r>
+            <a:r>
+              <a:rPr lang="en-IN" sz="1200" b="0" i="0" dirty="0" err="1">
+                <a:solidFill>
+                  <a:srgbClr val="212121"/>
+                </a:solidFill>
+                <a:effectLst/>
+                <a:latin typeface="Courier New" panose="02070309020205020404" pitchFamily="49" charset="0"/>
+              </a:rPr>
+              <a:t>centering</a:t>
+            </a:r>
+            <a:r>
+              <a:rPr lang="en-IN" sz="1200" b="0" i="0" dirty="0">
+                <a:solidFill>
+                  <a:srgbClr val="212121"/>
+                </a:solidFill>
+                <a:effectLst/>
+                <a:latin typeface="Courier New" panose="02070309020205020404" pitchFamily="49" charset="0"/>
+              </a:rPr>
+              <a:t> (uncentered) since the model does not contain a constant. [2] Standard Errors assume that the covariance matrix of the errors is correctly specified. [3] The condition number is large, 4.78e+04. This might indicate that there are strong multicollinearity or other numerical problems.</a:t>
+            </a:r>
+            <a:endParaRPr lang="en-US" sz="1200" dirty="0"/>
+          </a:p>
+        </p:txBody>
+      </p:sp>
+    </p:spTree>
+    <p:extLst>
+      <p:ext uri="{BB962C8B-B14F-4D97-AF65-F5344CB8AC3E}">
+        <p14:creationId xmlns:p14="http://schemas.microsoft.com/office/powerpoint/2010/main" val="766411893"/>
+      </p:ext>
+    </p:extLst>
+  </p:cSld>
+  <p:clrMapOvr>
+    <a:masterClrMapping/>
+  </p:clrMapOvr>
+</p:sld>
+</file>
+
+<file path=ppt/slides/slide9.xml><?xml version="1.0" encoding="utf-8"?>
+<p:sld xmlns:a="http://schemas.openxmlformats.org/drawingml/2006/main" xmlns:r="http://schemas.openxmlformats.org/officeDocument/2006/relationships" xmlns:p="http://schemas.openxmlformats.org/presentationml/2006/main">
+  <p:cSld>
+    <p:spTree>
+      <p:nvGrpSpPr>
+        <p:cNvPr id="1" name=""/>
+        <p:cNvGrpSpPr/>
+        <p:nvPr/>
+      </p:nvGrpSpPr>
+      <p:grpSpPr>
+        <a:xfrm>
+          <a:off x="0" y="0"/>
+          <a:ext cx="0" cy="0"/>
+          <a:chOff x="0" y="0"/>
+          <a:chExt cx="0" cy="0"/>
+        </a:xfrm>
+      </p:grpSpPr>
+      <p:sp>
+        <p:nvSpPr>
+          <p:cNvPr id="2" name="Title 1">
+            <a:extLst>
+              <a:ext uri="{FF2B5EF4-FFF2-40B4-BE49-F238E27FC236}">
+                <a16:creationId xmlns:a16="http://schemas.microsoft.com/office/drawing/2014/main" id="{291960B0-C54D-52DB-A657-17F60D032468}"/>
+              </a:ext>
+            </a:extLst>
+          </p:cNvPr>
+          <p:cNvSpPr>
+            <a:spLocks noGrp="1"/>
+          </p:cNvSpPr>
+          <p:nvPr>
+            <p:ph type="title"/>
+          </p:nvPr>
+        </p:nvSpPr>
+        <p:spPr/>
+        <p:txBody>
+          <a:bodyPr/>
+          <a:lstStyle/>
+          <a:p>
+            <a:endParaRPr lang="en-US"/>
+          </a:p>
+        </p:txBody>
+      </p:sp>
+      <p:pic>
+        <p:nvPicPr>
+          <p:cNvPr id="7170" name="Picture 2">
+            <a:extLst>
+              <a:ext uri="{FF2B5EF4-FFF2-40B4-BE49-F238E27FC236}">
+                <a16:creationId xmlns:a16="http://schemas.microsoft.com/office/drawing/2014/main" id="{00A71558-1B43-2715-7566-9C52BB14396D}"/>
+              </a:ext>
+            </a:extLst>
+          </p:cNvPr>
+          <p:cNvPicPr>
+            <a:picLocks noGrp="1" noChangeAspect="1" noChangeArrowheads="1"/>
+          </p:cNvPicPr>
+          <p:nvPr>
+            <p:ph idx="1"/>
+          </p:nvPr>
+        </p:nvPicPr>
+        <p:blipFill>
+          <a:blip r:embed="rId2">
+            <a:extLst>
+              <a:ext uri="{28A0092B-C50C-407E-A947-70E740481C1C}">
+                <a14:useLocalDpi xmlns:a14="http://schemas.microsoft.com/office/drawing/2010/main" val="0"/>
+              </a:ext>
+            </a:extLst>
+          </a:blip>
+          <a:srcRect/>
+          <a:stretch>
+            <a:fillRect/>
+          </a:stretch>
+        </p:blipFill>
+        <p:spPr bwMode="auto">
+          <a:xfrm>
+            <a:off x="3585985" y="1825625"/>
+            <a:ext cx="5020029" cy="4351338"/>
+          </a:xfrm>
+          <a:prstGeom prst="rect">
+            <a:avLst/>
+          </a:prstGeom>
+          <a:noFill/>
+          <a:extLst>
+            <a:ext uri="{909E8E84-426E-40DD-AFC4-6F175D3DCCD1}">
+              <a14:hiddenFill xmlns:a14="http://schemas.microsoft.com/office/drawing/2010/main">
+                <a:solidFill>
+                  <a:srgbClr val="FFFFFF"/>
+                </a:solidFill>
+              </a14:hiddenFill>
+            </a:ext>
+          </a:extLst>
+        </p:spPr>
+      </p:pic>
+    </p:spTree>
+    <p:extLst>
+      <p:ext uri="{BB962C8B-B14F-4D97-AF65-F5344CB8AC3E}">
+        <p14:creationId xmlns:p14="http://schemas.microsoft.com/office/powerpoint/2010/main" val="2037732948"/>
       </p:ext>
     </p:extLst>
   </p:cSld>

--- a/Report.pptx
+++ b/Report.pptx
@@ -14,6 +14,8 @@
     <p:sldId id="265" r:id="rId8"/>
     <p:sldId id="266" r:id="rId9"/>
     <p:sldId id="267" r:id="rId10"/>
+    <p:sldId id="270" r:id="rId11"/>
+    <p:sldId id="271" r:id="rId12"/>
   </p:sldIdLst>
   <p:sldSz cx="12192000" cy="6858000"/>
   <p:notesSz cx="6858000" cy="9144000"/>
@@ -113,6 +115,14 @@
     </a:lvl9pPr>
   </p:defaultTextStyle>
 </p:presentation>
+</file>
+
+<file path=ppt/revisionInfo.xml><?xml version="1.0" encoding="utf-8"?>
+<p1510:revInfo xmlns:a="http://schemas.openxmlformats.org/drawingml/2006/main" xmlns:r="http://schemas.openxmlformats.org/officeDocument/2006/relationships" xmlns:p1510="http://schemas.microsoft.com/office/powerpoint/2015/10/main">
+  <p1510:revLst>
+    <p1510:client id="{7251B78E-426E-954F-9D58-EEBFE8467C04}" v="2" dt="2024-01-29T09:53:56.403"/>
+  </p1510:revLst>
+</p1510:revInfo>
 </file>
 
 <file path=ppt/charts/chart1.xml><?xml version="1.0" encoding="utf-8"?>
@@ -4333,6 +4343,229 @@
 </p:sld>
 </file>
 
+<file path=ppt/slides/slide10.xml><?xml version="1.0" encoding="utf-8"?>
+<p:sld xmlns:a="http://schemas.openxmlformats.org/drawingml/2006/main" xmlns:r="http://schemas.openxmlformats.org/officeDocument/2006/relationships" xmlns:p="http://schemas.openxmlformats.org/presentationml/2006/main">
+  <p:cSld>
+    <p:spTree>
+      <p:nvGrpSpPr>
+        <p:cNvPr id="1" name=""/>
+        <p:cNvGrpSpPr/>
+        <p:nvPr/>
+      </p:nvGrpSpPr>
+      <p:grpSpPr>
+        <a:xfrm>
+          <a:off x="0" y="0"/>
+          <a:ext cx="0" cy="0"/>
+          <a:chOff x="0" y="0"/>
+          <a:chExt cx="0" cy="0"/>
+        </a:xfrm>
+      </p:grpSpPr>
+      <p:sp>
+        <p:nvSpPr>
+          <p:cNvPr id="2" name="Title 1">
+            <a:extLst>
+              <a:ext uri="{FF2B5EF4-FFF2-40B4-BE49-F238E27FC236}">
+                <a16:creationId xmlns:a16="http://schemas.microsoft.com/office/drawing/2014/main" id="{3423D521-E6F3-21C4-E120-643F6C30F132}"/>
+              </a:ext>
+            </a:extLst>
+          </p:cNvPr>
+          <p:cNvSpPr>
+            <a:spLocks noGrp="1"/>
+          </p:cNvSpPr>
+          <p:nvPr>
+            <p:ph type="title"/>
+          </p:nvPr>
+        </p:nvSpPr>
+        <p:spPr/>
+        <p:txBody>
+          <a:bodyPr/>
+          <a:lstStyle/>
+          <a:p>
+            <a:r>
+              <a:rPr lang="en-US" dirty="0"/>
+              <a:t>Run results</a:t>
+            </a:r>
+          </a:p>
+        </p:txBody>
+      </p:sp>
+      <p:pic>
+        <p:nvPicPr>
+          <p:cNvPr id="7" name="Picture 6" descr="A screenshot of a computer&#10;&#10;Description automatically generated">
+            <a:extLst>
+              <a:ext uri="{FF2B5EF4-FFF2-40B4-BE49-F238E27FC236}">
+                <a16:creationId xmlns:a16="http://schemas.microsoft.com/office/drawing/2014/main" id="{360A7E63-96FD-8325-73ED-EA695AC4E2DE}"/>
+              </a:ext>
+            </a:extLst>
+          </p:cNvPr>
+          <p:cNvPicPr>
+            <a:picLocks noChangeAspect="1"/>
+          </p:cNvPicPr>
+          <p:nvPr/>
+        </p:nvPicPr>
+        <p:blipFill>
+          <a:blip r:embed="rId2"/>
+          <a:stretch>
+            <a:fillRect/>
+          </a:stretch>
+        </p:blipFill>
+        <p:spPr>
+          <a:xfrm>
+            <a:off x="838200" y="1690688"/>
+            <a:ext cx="7772400" cy="4219302"/>
+          </a:xfrm>
+          <a:prstGeom prst="rect">
+            <a:avLst/>
+          </a:prstGeom>
+        </p:spPr>
+      </p:pic>
+      <p:sp>
+        <p:nvSpPr>
+          <p:cNvPr id="9" name="Content Placeholder 8">
+            <a:extLst>
+              <a:ext uri="{FF2B5EF4-FFF2-40B4-BE49-F238E27FC236}">
+                <a16:creationId xmlns:a16="http://schemas.microsoft.com/office/drawing/2014/main" id="{BEE20893-D558-C012-8EA6-4A22CDC13CE8}"/>
+              </a:ext>
+            </a:extLst>
+          </p:cNvPr>
+          <p:cNvSpPr>
+            <a:spLocks noGrp="1"/>
+          </p:cNvSpPr>
+          <p:nvPr>
+            <p:ph idx="1"/>
+          </p:nvPr>
+        </p:nvSpPr>
+        <p:spPr/>
+        <p:txBody>
+          <a:bodyPr/>
+          <a:lstStyle/>
+          <a:p>
+            <a:endParaRPr lang="en-US"/>
+          </a:p>
+        </p:txBody>
+      </p:sp>
+    </p:spTree>
+    <p:extLst>
+      <p:ext uri="{BB962C8B-B14F-4D97-AF65-F5344CB8AC3E}">
+        <p14:creationId xmlns:p14="http://schemas.microsoft.com/office/powerpoint/2010/main" val="4136191569"/>
+      </p:ext>
+    </p:extLst>
+  </p:cSld>
+  <p:clrMapOvr>
+    <a:masterClrMapping/>
+  </p:clrMapOvr>
+</p:sld>
+</file>
+
+<file path=ppt/slides/slide11.xml><?xml version="1.0" encoding="utf-8"?>
+<p:sld xmlns:a="http://schemas.openxmlformats.org/drawingml/2006/main" xmlns:r="http://schemas.openxmlformats.org/officeDocument/2006/relationships" xmlns:p="http://schemas.openxmlformats.org/presentationml/2006/main">
+  <p:cSld>
+    <p:spTree>
+      <p:nvGrpSpPr>
+        <p:cNvPr id="1" name=""/>
+        <p:cNvGrpSpPr/>
+        <p:nvPr/>
+      </p:nvGrpSpPr>
+      <p:grpSpPr>
+        <a:xfrm>
+          <a:off x="0" y="0"/>
+          <a:ext cx="0" cy="0"/>
+          <a:chOff x="0" y="0"/>
+          <a:chExt cx="0" cy="0"/>
+        </a:xfrm>
+      </p:grpSpPr>
+      <p:sp>
+        <p:nvSpPr>
+          <p:cNvPr id="2" name="Title 1">
+            <a:extLst>
+              <a:ext uri="{FF2B5EF4-FFF2-40B4-BE49-F238E27FC236}">
+                <a16:creationId xmlns:a16="http://schemas.microsoft.com/office/drawing/2014/main" id="{F4C9BA9C-47AC-9A17-9A06-D1CC638D20CE}"/>
+              </a:ext>
+            </a:extLst>
+          </p:cNvPr>
+          <p:cNvSpPr>
+            <a:spLocks noGrp="1"/>
+          </p:cNvSpPr>
+          <p:nvPr>
+            <p:ph type="title"/>
+          </p:nvPr>
+        </p:nvSpPr>
+        <p:spPr/>
+        <p:txBody>
+          <a:bodyPr/>
+          <a:lstStyle/>
+          <a:p>
+            <a:endParaRPr lang="en-US"/>
+          </a:p>
+        </p:txBody>
+      </p:sp>
+      <p:sp>
+        <p:nvSpPr>
+          <p:cNvPr id="3" name="Content Placeholder 2">
+            <a:extLst>
+              <a:ext uri="{FF2B5EF4-FFF2-40B4-BE49-F238E27FC236}">
+                <a16:creationId xmlns:a16="http://schemas.microsoft.com/office/drawing/2014/main" id="{8FF73F1A-621B-973F-A2F7-87893A03B8EB}"/>
+              </a:ext>
+            </a:extLst>
+          </p:cNvPr>
+          <p:cNvSpPr>
+            <a:spLocks noGrp="1"/>
+          </p:cNvSpPr>
+          <p:nvPr>
+            <p:ph idx="1"/>
+          </p:nvPr>
+        </p:nvSpPr>
+        <p:spPr/>
+        <p:txBody>
+          <a:bodyPr/>
+          <a:lstStyle/>
+          <a:p>
+            <a:endParaRPr lang="en-US"/>
+          </a:p>
+        </p:txBody>
+      </p:sp>
+      <p:pic>
+        <p:nvPicPr>
+          <p:cNvPr id="4" name="Content Placeholder 4" descr="A screenshot of a computer&#10;&#10;Description automatically generated">
+            <a:extLst>
+              <a:ext uri="{FF2B5EF4-FFF2-40B4-BE49-F238E27FC236}">
+                <a16:creationId xmlns:a16="http://schemas.microsoft.com/office/drawing/2014/main" id="{D2EC76A3-02CD-C9FA-9B83-18D15D54D339}"/>
+              </a:ext>
+            </a:extLst>
+          </p:cNvPr>
+          <p:cNvPicPr>
+            <a:picLocks noChangeAspect="1"/>
+          </p:cNvPicPr>
+          <p:nvPr/>
+        </p:nvPicPr>
+        <p:blipFill>
+          <a:blip r:embed="rId2"/>
+          <a:stretch>
+            <a:fillRect/>
+          </a:stretch>
+        </p:blipFill>
+        <p:spPr>
+          <a:xfrm>
+            <a:off x="838200" y="1690688"/>
+            <a:ext cx="8015622" cy="4351338"/>
+          </a:xfrm>
+          <a:prstGeom prst="rect">
+            <a:avLst/>
+          </a:prstGeom>
+        </p:spPr>
+      </p:pic>
+    </p:spTree>
+    <p:extLst>
+      <p:ext uri="{BB962C8B-B14F-4D97-AF65-F5344CB8AC3E}">
+        <p14:creationId xmlns:p14="http://schemas.microsoft.com/office/powerpoint/2010/main" val="637842480"/>
+      </p:ext>
+    </p:extLst>
+  </p:cSld>
+  <p:clrMapOvr>
+    <a:masterClrMapping/>
+  </p:clrMapOvr>
+</p:sld>
+</file>
+
 <file path=ppt/slides/slide2.xml><?xml version="1.0" encoding="utf-8"?>
 <p:sld xmlns:a="http://schemas.openxmlformats.org/drawingml/2006/main" xmlns:r="http://schemas.openxmlformats.org/officeDocument/2006/relationships" xmlns:p="http://schemas.openxmlformats.org/presentationml/2006/main">
   <p:cSld>
